--- a/00.공부 정리(최종)/08.git/01.github/02.gitignore/01.gitignore.pptx
+++ b/00.공부 정리(최종)/08.git/01.github/02.gitignore/01.gitignore.pptx
@@ -13,6 +13,13 @@
     <p:sldId id="431" r:id="rId7"/>
     <p:sldId id="432" r:id="rId8"/>
     <p:sldId id="433" r:id="rId9"/>
+    <p:sldId id="434" r:id="rId10"/>
+    <p:sldId id="435" r:id="rId11"/>
+    <p:sldId id="436" r:id="rId12"/>
+    <p:sldId id="437" r:id="rId13"/>
+    <p:sldId id="438" r:id="rId14"/>
+    <p:sldId id="439" r:id="rId15"/>
+    <p:sldId id="440" r:id="rId16"/>
   </p:sldIdLst>
   <p:sldSz cx="12192000" cy="6858000"/>
   <p:notesSz cx="6858000" cy="9144000"/>
@@ -111,13 +118,18 @@
       </a:defRPr>
     </a:lvl9pPr>
   </p:defaultTextStyle>
+  <p:extLst>
+    <p:ext uri="{EFAFB233-063F-42B5-8137-9DF3F51BA10A}">
+      <p15:sldGuideLst xmlns:p15="http://schemas.microsoft.com/office/powerpoint/2012/main"/>
+    </p:ext>
+  </p:extLst>
 </p:presentation>
 </file>
 
 <file path=ppt/revisionInfo.xml><?xml version="1.0" encoding="utf-8"?>
 <p1510:revInfo xmlns:a="http://schemas.openxmlformats.org/drawingml/2006/main" xmlns:r="http://schemas.openxmlformats.org/officeDocument/2006/relationships" xmlns:p1510="http://schemas.microsoft.com/office/powerpoint/2015/10/main">
   <p1510:revLst>
-    <p1510:client id="{F25647C8-6B74-4490-A5B7-D657EA0F1D8A}" v="24" dt="2024-01-04T02:12:53.425"/>
+    <p1510:client id="{F25647C8-6B74-4490-A5B7-D657EA0F1D8A}" v="74" dt="2024-01-04T04:53:39.349"/>
   </p1510:revLst>
 </p1510:revInfo>
 </file>
@@ -127,7 +139,7 @@
   <pc:docChgLst>
     <pc:chgData name="범수 김" userId="863329ffd88cf9fc" providerId="LiveId" clId="{F25647C8-6B74-4490-A5B7-D657EA0F1D8A}"/>
     <pc:docChg chg="undo custSel addSld delSld modSld">
-      <pc:chgData name="범수 김" userId="863329ffd88cf9fc" providerId="LiveId" clId="{F25647C8-6B74-4490-A5B7-D657EA0F1D8A}" dt="2024-01-04T02:15:30.584" v="2873" actId="20577"/>
+      <pc:chgData name="범수 김" userId="863329ffd88cf9fc" providerId="LiveId" clId="{F25647C8-6B74-4490-A5B7-D657EA0F1D8A}" dt="2024-01-04T04:57:18.076" v="4469" actId="20577"/>
       <pc:docMkLst>
         <pc:docMk/>
       </pc:docMkLst>
@@ -526,6 +538,735 @@
             <pc:docMk/>
             <pc:sldMk cId="3099548148" sldId="433"/>
             <ac:picMk id="4" creationId="{3F9769C3-71A4-32B5-62C1-8E05BDFDE984}"/>
+          </ac:picMkLst>
+        </pc:picChg>
+      </pc:sldChg>
+      <pc:sldChg chg="modSp add mod">
+        <pc:chgData name="범수 김" userId="863329ffd88cf9fc" providerId="LiveId" clId="{F25647C8-6B74-4490-A5B7-D657EA0F1D8A}" dt="2024-01-04T04:37:38.206" v="2918" actId="20577"/>
+        <pc:sldMkLst>
+          <pc:docMk/>
+          <pc:sldMk cId="4080887150" sldId="434"/>
+        </pc:sldMkLst>
+        <pc:spChg chg="mod">
+          <ac:chgData name="범수 김" userId="863329ffd88cf9fc" providerId="LiveId" clId="{F25647C8-6B74-4490-A5B7-D657EA0F1D8A}" dt="2024-01-04T04:37:38.206" v="2918" actId="20577"/>
+          <ac:spMkLst>
+            <pc:docMk/>
+            <pc:sldMk cId="4080887150" sldId="434"/>
+            <ac:spMk id="5" creationId="{A389414F-66B7-1262-7F78-D45BD7660CF6}"/>
+          </ac:spMkLst>
+        </pc:spChg>
+      </pc:sldChg>
+      <pc:sldChg chg="addSp modSp add mod">
+        <pc:chgData name="범수 김" userId="863329ffd88cf9fc" providerId="LiveId" clId="{F25647C8-6B74-4490-A5B7-D657EA0F1D8A}" dt="2024-01-04T04:40:23.462" v="3134" actId="20577"/>
+        <pc:sldMkLst>
+          <pc:docMk/>
+          <pc:sldMk cId="957928956" sldId="435"/>
+        </pc:sldMkLst>
+        <pc:spChg chg="add mod">
+          <ac:chgData name="범수 김" userId="863329ffd88cf9fc" providerId="LiveId" clId="{F25647C8-6B74-4490-A5B7-D657EA0F1D8A}" dt="2024-01-04T04:40:23.462" v="3134" actId="20577"/>
+          <ac:spMkLst>
+            <pc:docMk/>
+            <pc:sldMk cId="957928956" sldId="435"/>
+            <ac:spMk id="2" creationId="{D6FF3B9F-4BE9-FD1A-FC12-925685C2A976}"/>
+          </ac:spMkLst>
+        </pc:spChg>
+        <pc:spChg chg="mod">
+          <ac:chgData name="범수 김" userId="863329ffd88cf9fc" providerId="LiveId" clId="{F25647C8-6B74-4490-A5B7-D657EA0F1D8A}" dt="2024-01-04T04:37:44.924" v="2925" actId="1076"/>
+          <ac:spMkLst>
+            <pc:docMk/>
+            <pc:sldMk cId="957928956" sldId="435"/>
+            <ac:spMk id="5" creationId="{A389414F-66B7-1262-7F78-D45BD7660CF6}"/>
+          </ac:spMkLst>
+        </pc:spChg>
+        <pc:spChg chg="add mod">
+          <ac:chgData name="범수 김" userId="863329ffd88cf9fc" providerId="LiveId" clId="{F25647C8-6B74-4490-A5B7-D657EA0F1D8A}" dt="2024-01-04T04:38:59.750" v="3062" actId="164"/>
+          <ac:spMkLst>
+            <pc:docMk/>
+            <pc:sldMk cId="957928956" sldId="435"/>
+            <ac:spMk id="6" creationId="{70FEF72F-4827-A221-C87F-5C92CF85D239}"/>
+          </ac:spMkLst>
+        </pc:spChg>
+        <pc:spChg chg="add mod">
+          <ac:chgData name="범수 김" userId="863329ffd88cf9fc" providerId="LiveId" clId="{F25647C8-6B74-4490-A5B7-D657EA0F1D8A}" dt="2024-01-04T04:39:59.236" v="3080" actId="164"/>
+          <ac:spMkLst>
+            <pc:docMk/>
+            <pc:sldMk cId="957928956" sldId="435"/>
+            <ac:spMk id="8" creationId="{475F393C-A230-6CEF-8675-C6C5EDE848A7}"/>
+          </ac:spMkLst>
+        </pc:spChg>
+        <pc:spChg chg="add mod">
+          <ac:chgData name="범수 김" userId="863329ffd88cf9fc" providerId="LiveId" clId="{F25647C8-6B74-4490-A5B7-D657EA0F1D8A}" dt="2024-01-04T04:39:31.588" v="3072" actId="164"/>
+          <ac:spMkLst>
+            <pc:docMk/>
+            <pc:sldMk cId="957928956" sldId="435"/>
+            <ac:spMk id="11" creationId="{2917B881-D02C-4854-1FBE-E055CF75A202}"/>
+          </ac:spMkLst>
+        </pc:spChg>
+        <pc:spChg chg="add mod">
+          <ac:chgData name="범수 김" userId="863329ffd88cf9fc" providerId="LiveId" clId="{F25647C8-6B74-4490-A5B7-D657EA0F1D8A}" dt="2024-01-04T04:39:59.236" v="3080" actId="164"/>
+          <ac:spMkLst>
+            <pc:docMk/>
+            <pc:sldMk cId="957928956" sldId="435"/>
+            <ac:spMk id="15" creationId="{03ED1F4B-EED2-AE39-8DE3-EB2779504C5D}"/>
+          </ac:spMkLst>
+        </pc:spChg>
+        <pc:spChg chg="add mod">
+          <ac:chgData name="범수 김" userId="863329ffd88cf9fc" providerId="LiveId" clId="{F25647C8-6B74-4490-A5B7-D657EA0F1D8A}" dt="2024-01-04T04:39:59.236" v="3080" actId="164"/>
+          <ac:spMkLst>
+            <pc:docMk/>
+            <pc:sldMk cId="957928956" sldId="435"/>
+            <ac:spMk id="16" creationId="{BAB6DBF1-766B-3C70-9E12-1756974E2C68}"/>
+          </ac:spMkLst>
+        </pc:spChg>
+        <pc:grpChg chg="add mod">
+          <ac:chgData name="범수 김" userId="863329ffd88cf9fc" providerId="LiveId" clId="{F25647C8-6B74-4490-A5B7-D657EA0F1D8A}" dt="2024-01-04T04:39:59.236" v="3080" actId="164"/>
+          <ac:grpSpMkLst>
+            <pc:docMk/>
+            <pc:sldMk cId="957928956" sldId="435"/>
+            <ac:grpSpMk id="7" creationId="{9E9A609B-C04C-DFAD-D4E1-A43314754563}"/>
+          </ac:grpSpMkLst>
+        </pc:grpChg>
+        <pc:grpChg chg="add mod">
+          <ac:chgData name="범수 김" userId="863329ffd88cf9fc" providerId="LiveId" clId="{F25647C8-6B74-4490-A5B7-D657EA0F1D8A}" dt="2024-01-04T04:39:59.236" v="3080" actId="164"/>
+          <ac:grpSpMkLst>
+            <pc:docMk/>
+            <pc:sldMk cId="957928956" sldId="435"/>
+            <ac:grpSpMk id="12" creationId="{6D7FF572-68E9-1BFF-6438-294A40E4E3FC}"/>
+          </ac:grpSpMkLst>
+        </pc:grpChg>
+        <pc:grpChg chg="add mod">
+          <ac:chgData name="범수 김" userId="863329ffd88cf9fc" providerId="LiveId" clId="{F25647C8-6B74-4490-A5B7-D657EA0F1D8A}" dt="2024-01-04T04:39:59.236" v="3080" actId="164"/>
+          <ac:grpSpMkLst>
+            <pc:docMk/>
+            <pc:sldMk cId="957928956" sldId="435"/>
+            <ac:grpSpMk id="17" creationId="{E63C87C9-17A7-68E1-913C-017E81EA40D2}"/>
+          </ac:grpSpMkLst>
+        </pc:grpChg>
+        <pc:picChg chg="add mod">
+          <ac:chgData name="범수 김" userId="863329ffd88cf9fc" providerId="LiveId" clId="{F25647C8-6B74-4490-A5B7-D657EA0F1D8A}" dt="2024-01-04T04:38:59.750" v="3062" actId="164"/>
+          <ac:picMkLst>
+            <pc:docMk/>
+            <pc:sldMk cId="957928956" sldId="435"/>
+            <ac:picMk id="4" creationId="{7ED6C2FD-1B9A-C771-6E00-69D22F0A878E}"/>
+          </ac:picMkLst>
+        </pc:picChg>
+        <pc:picChg chg="add mod">
+          <ac:chgData name="범수 김" userId="863329ffd88cf9fc" providerId="LiveId" clId="{F25647C8-6B74-4490-A5B7-D657EA0F1D8A}" dt="2024-01-04T04:39:31.588" v="3072" actId="164"/>
+          <ac:picMkLst>
+            <pc:docMk/>
+            <pc:sldMk cId="957928956" sldId="435"/>
+            <ac:picMk id="10" creationId="{843E95DA-C0E8-6E28-8A79-8F759BD8BA29}"/>
+          </ac:picMkLst>
+        </pc:picChg>
+        <pc:picChg chg="add mod">
+          <ac:chgData name="범수 김" userId="863329ffd88cf9fc" providerId="LiveId" clId="{F25647C8-6B74-4490-A5B7-D657EA0F1D8A}" dt="2024-01-04T04:39:59.236" v="3080" actId="164"/>
+          <ac:picMkLst>
+            <pc:docMk/>
+            <pc:sldMk cId="957928956" sldId="435"/>
+            <ac:picMk id="14" creationId="{A84EA807-4F41-7215-A639-611AEAB8CBFF}"/>
+          </ac:picMkLst>
+        </pc:picChg>
+      </pc:sldChg>
+      <pc:sldChg chg="addSp delSp modSp add mod">
+        <pc:chgData name="범수 김" userId="863329ffd88cf9fc" providerId="LiveId" clId="{F25647C8-6B74-4490-A5B7-D657EA0F1D8A}" dt="2024-01-04T04:43:26.973" v="3317" actId="14100"/>
+        <pc:sldMkLst>
+          <pc:docMk/>
+          <pc:sldMk cId="2612871496" sldId="436"/>
+        </pc:sldMkLst>
+        <pc:spChg chg="mod">
+          <ac:chgData name="범수 김" userId="863329ffd88cf9fc" providerId="LiveId" clId="{F25647C8-6B74-4490-A5B7-D657EA0F1D8A}" dt="2024-01-04T04:43:18.298" v="3314" actId="20577"/>
+          <ac:spMkLst>
+            <pc:docMk/>
+            <pc:sldMk cId="2612871496" sldId="436"/>
+            <ac:spMk id="2" creationId="{D6FF3B9F-4BE9-FD1A-FC12-925685C2A976}"/>
+          </ac:spMkLst>
+        </pc:spChg>
+        <pc:spChg chg="mod">
+          <ac:chgData name="범수 김" userId="863329ffd88cf9fc" providerId="LiveId" clId="{F25647C8-6B74-4490-A5B7-D657EA0F1D8A}" dt="2024-01-04T04:41:34.058" v="3147" actId="164"/>
+          <ac:spMkLst>
+            <pc:docMk/>
+            <pc:sldMk cId="2612871496" sldId="436"/>
+            <ac:spMk id="8" creationId="{475F393C-A230-6CEF-8675-C6C5EDE848A7}"/>
+          </ac:spMkLst>
+        </pc:spChg>
+        <pc:spChg chg="add mod">
+          <ac:chgData name="범수 김" userId="863329ffd88cf9fc" providerId="LiveId" clId="{F25647C8-6B74-4490-A5B7-D657EA0F1D8A}" dt="2024-01-04T04:41:34.058" v="3147" actId="164"/>
+          <ac:spMkLst>
+            <pc:docMk/>
+            <pc:sldMk cId="2612871496" sldId="436"/>
+            <ac:spMk id="13" creationId="{83DD0814-0E24-6F8E-262E-B514D8E77656}"/>
+          </ac:spMkLst>
+        </pc:spChg>
+        <pc:spChg chg="del">
+          <ac:chgData name="범수 김" userId="863329ffd88cf9fc" providerId="LiveId" clId="{F25647C8-6B74-4490-A5B7-D657EA0F1D8A}" dt="2024-01-04T04:40:05.208" v="3084" actId="478"/>
+          <ac:spMkLst>
+            <pc:docMk/>
+            <pc:sldMk cId="2612871496" sldId="436"/>
+            <ac:spMk id="15" creationId="{03ED1F4B-EED2-AE39-8DE3-EB2779504C5D}"/>
+          </ac:spMkLst>
+        </pc:spChg>
+        <pc:spChg chg="del">
+          <ac:chgData name="범수 김" userId="863329ffd88cf9fc" providerId="LiveId" clId="{F25647C8-6B74-4490-A5B7-D657EA0F1D8A}" dt="2024-01-04T04:40:04.543" v="3083" actId="478"/>
+          <ac:spMkLst>
+            <pc:docMk/>
+            <pc:sldMk cId="2612871496" sldId="436"/>
+            <ac:spMk id="16" creationId="{BAB6DBF1-766B-3C70-9E12-1756974E2C68}"/>
+          </ac:spMkLst>
+        </pc:spChg>
+        <pc:spChg chg="add mod">
+          <ac:chgData name="범수 김" userId="863329ffd88cf9fc" providerId="LiveId" clId="{F25647C8-6B74-4490-A5B7-D657EA0F1D8A}" dt="2024-01-04T04:41:20.747" v="3141" actId="571"/>
+          <ac:spMkLst>
+            <pc:docMk/>
+            <pc:sldMk cId="2612871496" sldId="436"/>
+            <ac:spMk id="18" creationId="{74367A80-D87A-2EB7-B2BF-CE7C52DBD8FE}"/>
+          </ac:spMkLst>
+        </pc:spChg>
+        <pc:spChg chg="add mod">
+          <ac:chgData name="범수 김" userId="863329ffd88cf9fc" providerId="LiveId" clId="{F25647C8-6B74-4490-A5B7-D657EA0F1D8A}" dt="2024-01-04T04:41:24.112" v="3143" actId="571"/>
+          <ac:spMkLst>
+            <pc:docMk/>
+            <pc:sldMk cId="2612871496" sldId="436"/>
+            <ac:spMk id="20" creationId="{DD77929E-FAD1-EDC5-4FE3-42D236B0E9FE}"/>
+          </ac:spMkLst>
+        </pc:spChg>
+        <pc:spChg chg="add mod">
+          <ac:chgData name="범수 김" userId="863329ffd88cf9fc" providerId="LiveId" clId="{F25647C8-6B74-4490-A5B7-D657EA0F1D8A}" dt="2024-01-04T04:41:34.058" v="3147" actId="164"/>
+          <ac:spMkLst>
+            <pc:docMk/>
+            <pc:sldMk cId="2612871496" sldId="436"/>
+            <ac:spMk id="21" creationId="{5470E380-B043-4DED-30D3-5451A8AE4E49}"/>
+          </ac:spMkLst>
+        </pc:spChg>
+        <pc:spChg chg="add mod">
+          <ac:chgData name="범수 김" userId="863329ffd88cf9fc" providerId="LiveId" clId="{F25647C8-6B74-4490-A5B7-D657EA0F1D8A}" dt="2024-01-04T04:42:38.197" v="3268" actId="164"/>
+          <ac:spMkLst>
+            <pc:docMk/>
+            <pc:sldMk cId="2612871496" sldId="436"/>
+            <ac:spMk id="25" creationId="{CCD992F4-2649-43CA-F6D2-60D34CB5D46C}"/>
+          </ac:spMkLst>
+        </pc:spChg>
+        <pc:spChg chg="add mod">
+          <ac:chgData name="범수 김" userId="863329ffd88cf9fc" providerId="LiveId" clId="{F25647C8-6B74-4490-A5B7-D657EA0F1D8A}" dt="2024-01-04T04:43:26.973" v="3317" actId="14100"/>
+          <ac:spMkLst>
+            <pc:docMk/>
+            <pc:sldMk cId="2612871496" sldId="436"/>
+            <ac:spMk id="30" creationId="{AEA28543-52D4-4C1D-A63B-AB0BAE25E951}"/>
+          </ac:spMkLst>
+        </pc:spChg>
+        <pc:grpChg chg="del">
+          <ac:chgData name="범수 김" userId="863329ffd88cf9fc" providerId="LiveId" clId="{F25647C8-6B74-4490-A5B7-D657EA0F1D8A}" dt="2024-01-04T04:40:05.953" v="3085" actId="478"/>
+          <ac:grpSpMkLst>
+            <pc:docMk/>
+            <pc:sldMk cId="2612871496" sldId="436"/>
+            <ac:grpSpMk id="7" creationId="{9E9A609B-C04C-DFAD-D4E1-A43314754563}"/>
+          </ac:grpSpMkLst>
+        </pc:grpChg>
+        <pc:grpChg chg="del">
+          <ac:chgData name="범수 김" userId="863329ffd88cf9fc" providerId="LiveId" clId="{F25647C8-6B74-4490-A5B7-D657EA0F1D8A}" dt="2024-01-04T04:40:03.539" v="3081" actId="478"/>
+          <ac:grpSpMkLst>
+            <pc:docMk/>
+            <pc:sldMk cId="2612871496" sldId="436"/>
+            <ac:grpSpMk id="12" creationId="{6D7FF572-68E9-1BFF-6438-294A40E4E3FC}"/>
+          </ac:grpSpMkLst>
+        </pc:grpChg>
+        <pc:grpChg chg="add mod">
+          <ac:chgData name="범수 김" userId="863329ffd88cf9fc" providerId="LiveId" clId="{F25647C8-6B74-4490-A5B7-D657EA0F1D8A}" dt="2024-01-04T04:42:38.197" v="3268" actId="164"/>
+          <ac:grpSpMkLst>
+            <pc:docMk/>
+            <pc:sldMk cId="2612871496" sldId="436"/>
+            <ac:grpSpMk id="22" creationId="{19C53152-F1AA-38E2-5EAB-4EE97118DA18}"/>
+          </ac:grpSpMkLst>
+        </pc:grpChg>
+        <pc:grpChg chg="add mod">
+          <ac:chgData name="범수 김" userId="863329ffd88cf9fc" providerId="LiveId" clId="{F25647C8-6B74-4490-A5B7-D657EA0F1D8A}" dt="2024-01-04T04:43:09.293" v="3287" actId="164"/>
+          <ac:grpSpMkLst>
+            <pc:docMk/>
+            <pc:sldMk cId="2612871496" sldId="436"/>
+            <ac:grpSpMk id="26" creationId="{A8808B9C-A72D-A4C8-A348-40909E87E72C}"/>
+          </ac:grpSpMkLst>
+        </pc:grpChg>
+        <pc:grpChg chg="add mod">
+          <ac:chgData name="범수 김" userId="863329ffd88cf9fc" providerId="LiveId" clId="{F25647C8-6B74-4490-A5B7-D657EA0F1D8A}" dt="2024-01-04T04:43:10.054" v="3288" actId="1076"/>
+          <ac:grpSpMkLst>
+            <pc:docMk/>
+            <pc:sldMk cId="2612871496" sldId="436"/>
+            <ac:grpSpMk id="29" creationId="{EE7623DD-E3CB-D0D0-B8CB-DB3B129BED0F}"/>
+          </ac:grpSpMkLst>
+        </pc:grpChg>
+        <pc:picChg chg="add mod">
+          <ac:chgData name="범수 김" userId="863329ffd88cf9fc" providerId="LiveId" clId="{F25647C8-6B74-4490-A5B7-D657EA0F1D8A}" dt="2024-01-04T04:41:34.058" v="3147" actId="164"/>
+          <ac:picMkLst>
+            <pc:docMk/>
+            <pc:sldMk cId="2612871496" sldId="436"/>
+            <ac:picMk id="9" creationId="{C09FCDFE-4A81-0BB6-3E34-875ED7820397}"/>
+          </ac:picMkLst>
+        </pc:picChg>
+        <pc:picChg chg="del">
+          <ac:chgData name="범수 김" userId="863329ffd88cf9fc" providerId="LiveId" clId="{F25647C8-6B74-4490-A5B7-D657EA0F1D8A}" dt="2024-01-04T04:40:03.776" v="3082" actId="478"/>
+          <ac:picMkLst>
+            <pc:docMk/>
+            <pc:sldMk cId="2612871496" sldId="436"/>
+            <ac:picMk id="14" creationId="{A84EA807-4F41-7215-A639-611AEAB8CBFF}"/>
+          </ac:picMkLst>
+        </pc:picChg>
+        <pc:picChg chg="add mod">
+          <ac:chgData name="범수 김" userId="863329ffd88cf9fc" providerId="LiveId" clId="{F25647C8-6B74-4490-A5B7-D657EA0F1D8A}" dt="2024-01-04T04:41:20.747" v="3141" actId="571"/>
+          <ac:picMkLst>
+            <pc:docMk/>
+            <pc:sldMk cId="2612871496" sldId="436"/>
+            <ac:picMk id="17" creationId="{40A4535A-D6CA-8BF7-A156-8D228C1CA8C8}"/>
+          </ac:picMkLst>
+        </pc:picChg>
+        <pc:picChg chg="add mod">
+          <ac:chgData name="범수 김" userId="863329ffd88cf9fc" providerId="LiveId" clId="{F25647C8-6B74-4490-A5B7-D657EA0F1D8A}" dt="2024-01-04T04:41:24.112" v="3143" actId="571"/>
+          <ac:picMkLst>
+            <pc:docMk/>
+            <pc:sldMk cId="2612871496" sldId="436"/>
+            <ac:picMk id="19" creationId="{0C57A58C-F233-84DA-64BD-0F9DE09A1B0D}"/>
+          </ac:picMkLst>
+        </pc:picChg>
+        <pc:picChg chg="add mod">
+          <ac:chgData name="범수 김" userId="863329ffd88cf9fc" providerId="LiveId" clId="{F25647C8-6B74-4490-A5B7-D657EA0F1D8A}" dt="2024-01-04T04:42:38.197" v="3268" actId="164"/>
+          <ac:picMkLst>
+            <pc:docMk/>
+            <pc:sldMk cId="2612871496" sldId="436"/>
+            <ac:picMk id="24" creationId="{F5957401-AD30-8A9C-DFC4-8DBECC0538B3}"/>
+          </ac:picMkLst>
+        </pc:picChg>
+        <pc:picChg chg="add mod">
+          <ac:chgData name="범수 김" userId="863329ffd88cf9fc" providerId="LiveId" clId="{F25647C8-6B74-4490-A5B7-D657EA0F1D8A}" dt="2024-01-04T04:43:09.293" v="3287" actId="164"/>
+          <ac:picMkLst>
+            <pc:docMk/>
+            <pc:sldMk cId="2612871496" sldId="436"/>
+            <ac:picMk id="28" creationId="{91429F65-5D6B-1BFB-ADB8-E481F88B5AEE}"/>
+          </ac:picMkLst>
+        </pc:picChg>
+      </pc:sldChg>
+      <pc:sldChg chg="addSp delSp modSp add mod">
+        <pc:chgData name="범수 김" userId="863329ffd88cf9fc" providerId="LiveId" clId="{F25647C8-6B74-4490-A5B7-D657EA0F1D8A}" dt="2024-01-04T04:45:05.512" v="3407" actId="478"/>
+        <pc:sldMkLst>
+          <pc:docMk/>
+          <pc:sldMk cId="2445475584" sldId="437"/>
+        </pc:sldMkLst>
+        <pc:spChg chg="mod">
+          <ac:chgData name="범수 김" userId="863329ffd88cf9fc" providerId="LiveId" clId="{F25647C8-6B74-4490-A5B7-D657EA0F1D8A}" dt="2024-01-04T04:44:38.043" v="3401" actId="20577"/>
+          <ac:spMkLst>
+            <pc:docMk/>
+            <pc:sldMk cId="2445475584" sldId="437"/>
+            <ac:spMk id="2" creationId="{D6FF3B9F-4BE9-FD1A-FC12-925685C2A976}"/>
+          </ac:spMkLst>
+        </pc:spChg>
+        <pc:spChg chg="add mod">
+          <ac:chgData name="범수 김" userId="863329ffd88cf9fc" providerId="LiveId" clId="{F25647C8-6B74-4490-A5B7-D657EA0F1D8A}" dt="2024-01-04T04:44:12.733" v="3331" actId="164"/>
+          <ac:spMkLst>
+            <pc:docMk/>
+            <pc:sldMk cId="2445475584" sldId="437"/>
+            <ac:spMk id="6" creationId="{4EF4F7FA-F12E-9B3A-EAF3-2E8BD93BD140}"/>
+          </ac:spMkLst>
+        </pc:spChg>
+        <pc:spChg chg="add mod">
+          <ac:chgData name="범수 김" userId="863329ffd88cf9fc" providerId="LiveId" clId="{F25647C8-6B74-4490-A5B7-D657EA0F1D8A}" dt="2024-01-04T04:44:12.733" v="3331" actId="164"/>
+          <ac:spMkLst>
+            <pc:docMk/>
+            <pc:sldMk cId="2445475584" sldId="437"/>
+            <ac:spMk id="7" creationId="{868579E8-9A13-792E-49C6-088F7FFDCAD9}"/>
+          </ac:spMkLst>
+        </pc:spChg>
+        <pc:spChg chg="add mod">
+          <ac:chgData name="범수 김" userId="863329ffd88cf9fc" providerId="LiveId" clId="{F25647C8-6B74-4490-A5B7-D657EA0F1D8A}" dt="2024-01-04T04:44:12.733" v="3331" actId="164"/>
+          <ac:spMkLst>
+            <pc:docMk/>
+            <pc:sldMk cId="2445475584" sldId="437"/>
+            <ac:spMk id="10" creationId="{6E23F73A-A566-B958-D323-EAE599E627C0}"/>
+          </ac:spMkLst>
+        </pc:spChg>
+        <pc:spChg chg="del">
+          <ac:chgData name="범수 김" userId="863329ffd88cf9fc" providerId="LiveId" clId="{F25647C8-6B74-4490-A5B7-D657EA0F1D8A}" dt="2024-01-04T04:43:31.569" v="3320" actId="478"/>
+          <ac:spMkLst>
+            <pc:docMk/>
+            <pc:sldMk cId="2445475584" sldId="437"/>
+            <ac:spMk id="30" creationId="{AEA28543-52D4-4C1D-A63B-AB0BAE25E951}"/>
+          </ac:spMkLst>
+        </pc:spChg>
+        <pc:grpChg chg="add mod">
+          <ac:chgData name="범수 김" userId="863329ffd88cf9fc" providerId="LiveId" clId="{F25647C8-6B74-4490-A5B7-D657EA0F1D8A}" dt="2024-01-04T04:44:40.574" v="3402" actId="1076"/>
+          <ac:grpSpMkLst>
+            <pc:docMk/>
+            <pc:sldMk cId="2445475584" sldId="437"/>
+            <ac:grpSpMk id="11" creationId="{F794758C-B84D-0C18-68B0-2ACA740AED6D}"/>
+          </ac:grpSpMkLst>
+        </pc:grpChg>
+        <pc:grpChg chg="del">
+          <ac:chgData name="범수 김" userId="863329ffd88cf9fc" providerId="LiveId" clId="{F25647C8-6B74-4490-A5B7-D657EA0F1D8A}" dt="2024-01-04T04:43:30.581" v="3319" actId="478"/>
+          <ac:grpSpMkLst>
+            <pc:docMk/>
+            <pc:sldMk cId="2445475584" sldId="437"/>
+            <ac:grpSpMk id="29" creationId="{EE7623DD-E3CB-D0D0-B8CB-DB3B129BED0F}"/>
+          </ac:grpSpMkLst>
+        </pc:grpChg>
+        <pc:picChg chg="add mod">
+          <ac:chgData name="범수 김" userId="863329ffd88cf9fc" providerId="LiveId" clId="{F25647C8-6B74-4490-A5B7-D657EA0F1D8A}" dt="2024-01-04T04:44:12.733" v="3331" actId="164"/>
+          <ac:picMkLst>
+            <pc:docMk/>
+            <pc:sldMk cId="2445475584" sldId="437"/>
+            <ac:picMk id="4" creationId="{D902EF04-9122-3F68-EC92-C675E5C28BD2}"/>
+          </ac:picMkLst>
+        </pc:picChg>
+        <pc:picChg chg="add del mod">
+          <ac:chgData name="범수 김" userId="863329ffd88cf9fc" providerId="LiveId" clId="{F25647C8-6B74-4490-A5B7-D657EA0F1D8A}" dt="2024-01-04T04:45:05.512" v="3407" actId="478"/>
+          <ac:picMkLst>
+            <pc:docMk/>
+            <pc:sldMk cId="2445475584" sldId="437"/>
+            <ac:picMk id="14" creationId="{986AD32F-D09E-0DC8-456D-DC8ED0D19403}"/>
+          </ac:picMkLst>
+        </pc:picChg>
+      </pc:sldChg>
+      <pc:sldChg chg="addSp delSp modSp add mod">
+        <pc:chgData name="범수 김" userId="863329ffd88cf9fc" providerId="LiveId" clId="{F25647C8-6B74-4490-A5B7-D657EA0F1D8A}" dt="2024-01-04T04:49:59.082" v="3830" actId="20577"/>
+        <pc:sldMkLst>
+          <pc:docMk/>
+          <pc:sldMk cId="1177257315" sldId="438"/>
+        </pc:sldMkLst>
+        <pc:spChg chg="mod">
+          <ac:chgData name="범수 김" userId="863329ffd88cf9fc" providerId="LiveId" clId="{F25647C8-6B74-4490-A5B7-D657EA0F1D8A}" dt="2024-01-04T04:49:59.082" v="3830" actId="20577"/>
+          <ac:spMkLst>
+            <pc:docMk/>
+            <pc:sldMk cId="1177257315" sldId="438"/>
+            <ac:spMk id="2" creationId="{D6FF3B9F-4BE9-FD1A-FC12-925685C2A976}"/>
+          </ac:spMkLst>
+        </pc:spChg>
+        <pc:spChg chg="add mod">
+          <ac:chgData name="범수 김" userId="863329ffd88cf9fc" providerId="LiveId" clId="{F25647C8-6B74-4490-A5B7-D657EA0F1D8A}" dt="2024-01-04T04:46:10.631" v="3432" actId="164"/>
+          <ac:spMkLst>
+            <pc:docMk/>
+            <pc:sldMk cId="1177257315" sldId="438"/>
+            <ac:spMk id="9" creationId="{A098E804-6E45-DA9E-C63D-7E8B4816FCC4}"/>
+          </ac:spMkLst>
+        </pc:spChg>
+        <pc:spChg chg="add mod">
+          <ac:chgData name="범수 김" userId="863329ffd88cf9fc" providerId="LiveId" clId="{F25647C8-6B74-4490-A5B7-D657EA0F1D8A}" dt="2024-01-04T04:45:44.485" v="3415" actId="571"/>
+          <ac:spMkLst>
+            <pc:docMk/>
+            <pc:sldMk cId="1177257315" sldId="438"/>
+            <ac:spMk id="13" creationId="{183E6021-A860-6E77-5F93-BA8BDD6D22D0}"/>
+          </ac:spMkLst>
+        </pc:spChg>
+        <pc:spChg chg="add mod">
+          <ac:chgData name="범수 김" userId="863329ffd88cf9fc" providerId="LiveId" clId="{F25647C8-6B74-4490-A5B7-D657EA0F1D8A}" dt="2024-01-04T04:45:48.137" v="3419" actId="571"/>
+          <ac:spMkLst>
+            <pc:docMk/>
+            <pc:sldMk cId="1177257315" sldId="438"/>
+            <ac:spMk id="16" creationId="{7A16BE52-03C9-6F0C-2CDF-9657FBE81623}"/>
+          </ac:spMkLst>
+        </pc:spChg>
+        <pc:spChg chg="add mod">
+          <ac:chgData name="범수 김" userId="863329ffd88cf9fc" providerId="LiveId" clId="{F25647C8-6B74-4490-A5B7-D657EA0F1D8A}" dt="2024-01-04T04:45:50.943" v="3421" actId="571"/>
+          <ac:spMkLst>
+            <pc:docMk/>
+            <pc:sldMk cId="1177257315" sldId="438"/>
+            <ac:spMk id="18" creationId="{91BCFA87-7E56-6658-AEAA-F4BF6B87122C}"/>
+          </ac:spMkLst>
+        </pc:spChg>
+        <pc:spChg chg="add mod">
+          <ac:chgData name="범수 김" userId="863329ffd88cf9fc" providerId="LiveId" clId="{F25647C8-6B74-4490-A5B7-D657EA0F1D8A}" dt="2024-01-04T04:46:10.631" v="3432" actId="164"/>
+          <ac:spMkLst>
+            <pc:docMk/>
+            <pc:sldMk cId="1177257315" sldId="438"/>
+            <ac:spMk id="19" creationId="{809F217B-31EC-1AB5-B4AB-B49247649CEA}"/>
+          </ac:spMkLst>
+        </pc:spChg>
+        <pc:spChg chg="add del mod">
+          <ac:chgData name="범수 김" userId="863329ffd88cf9fc" providerId="LiveId" clId="{F25647C8-6B74-4490-A5B7-D657EA0F1D8A}" dt="2024-01-04T04:47:41.656" v="3573" actId="478"/>
+          <ac:spMkLst>
+            <pc:docMk/>
+            <pc:sldMk cId="1177257315" sldId="438"/>
+            <ac:spMk id="20" creationId="{6E39827F-D68C-D627-4E73-3BC79F8C7D96}"/>
+          </ac:spMkLst>
+        </pc:spChg>
+        <pc:spChg chg="add del mod">
+          <ac:chgData name="범수 김" userId="863329ffd88cf9fc" providerId="LiveId" clId="{F25647C8-6B74-4490-A5B7-D657EA0F1D8A}" dt="2024-01-04T04:47:39.640" v="3571" actId="478"/>
+          <ac:spMkLst>
+            <pc:docMk/>
+            <pc:sldMk cId="1177257315" sldId="438"/>
+            <ac:spMk id="21" creationId="{079C1C0F-73C3-6CDD-D456-FE46678ECF83}"/>
+          </ac:spMkLst>
+        </pc:spChg>
+        <pc:spChg chg="add mod">
+          <ac:chgData name="범수 김" userId="863329ffd88cf9fc" providerId="LiveId" clId="{F25647C8-6B74-4490-A5B7-D657EA0F1D8A}" dt="2024-01-04T04:47:52.459" v="3578" actId="1076"/>
+          <ac:spMkLst>
+            <pc:docMk/>
+            <pc:sldMk cId="1177257315" sldId="438"/>
+            <ac:spMk id="26" creationId="{557E3922-283E-B668-17CE-D786680C790E}"/>
+          </ac:spMkLst>
+        </pc:spChg>
+        <pc:spChg chg="add mod">
+          <ac:chgData name="범수 김" userId="863329ffd88cf9fc" providerId="LiveId" clId="{F25647C8-6B74-4490-A5B7-D657EA0F1D8A}" dt="2024-01-04T04:48:00.672" v="3581" actId="14100"/>
+          <ac:spMkLst>
+            <pc:docMk/>
+            <pc:sldMk cId="1177257315" sldId="438"/>
+            <ac:spMk id="29" creationId="{56613263-A332-DFCB-210E-853C43FAF191}"/>
+          </ac:spMkLst>
+        </pc:spChg>
+        <pc:spChg chg="add mod">
+          <ac:chgData name="범수 김" userId="863329ffd88cf9fc" providerId="LiveId" clId="{F25647C8-6B74-4490-A5B7-D657EA0F1D8A}" dt="2024-01-04T04:48:06.776" v="3584" actId="14100"/>
+          <ac:spMkLst>
+            <pc:docMk/>
+            <pc:sldMk cId="1177257315" sldId="438"/>
+            <ac:spMk id="30" creationId="{BDDDD84D-21A9-4468-C293-994832744E9F}"/>
+          </ac:spMkLst>
+        </pc:spChg>
+        <pc:spChg chg="add mod">
+          <ac:chgData name="범수 김" userId="863329ffd88cf9fc" providerId="LiveId" clId="{F25647C8-6B74-4490-A5B7-D657EA0F1D8A}" dt="2024-01-04T04:48:52.256" v="3685" actId="14100"/>
+          <ac:spMkLst>
+            <pc:docMk/>
+            <pc:sldMk cId="1177257315" sldId="438"/>
+            <ac:spMk id="31" creationId="{51AAA8C4-E790-D368-5A56-2C21D235193A}"/>
+          </ac:spMkLst>
+        </pc:spChg>
+        <pc:spChg chg="add mod">
+          <ac:chgData name="범수 김" userId="863329ffd88cf9fc" providerId="LiveId" clId="{F25647C8-6B74-4490-A5B7-D657EA0F1D8A}" dt="2024-01-04T04:49:21.228" v="3692" actId="14100"/>
+          <ac:spMkLst>
+            <pc:docMk/>
+            <pc:sldMk cId="1177257315" sldId="438"/>
+            <ac:spMk id="34" creationId="{042AED41-7242-11BF-7C30-2F165997DEA0}"/>
+          </ac:spMkLst>
+        </pc:spChg>
+        <pc:spChg chg="add mod">
+          <ac:chgData name="범수 김" userId="863329ffd88cf9fc" providerId="LiveId" clId="{F25647C8-6B74-4490-A5B7-D657EA0F1D8A}" dt="2024-01-04T04:49:25.819" v="3695" actId="14100"/>
+          <ac:spMkLst>
+            <pc:docMk/>
+            <pc:sldMk cId="1177257315" sldId="438"/>
+            <ac:spMk id="35" creationId="{BF287C97-7574-7F2A-2C21-CFF878740456}"/>
+          </ac:spMkLst>
+        </pc:spChg>
+        <pc:grpChg chg="del">
+          <ac:chgData name="범수 김" userId="863329ffd88cf9fc" providerId="LiveId" clId="{F25647C8-6B74-4490-A5B7-D657EA0F1D8A}" dt="2024-01-04T04:45:06.370" v="3408" actId="478"/>
+          <ac:grpSpMkLst>
+            <pc:docMk/>
+            <pc:sldMk cId="1177257315" sldId="438"/>
+            <ac:grpSpMk id="11" creationId="{F794758C-B84D-0C18-68B0-2ACA740AED6D}"/>
+          </ac:grpSpMkLst>
+        </pc:grpChg>
+        <pc:grpChg chg="add del mod">
+          <ac:chgData name="범수 김" userId="863329ffd88cf9fc" providerId="LiveId" clId="{F25647C8-6B74-4490-A5B7-D657EA0F1D8A}" dt="2024-01-04T04:47:39.640" v="3571" actId="478"/>
+          <ac:grpSpMkLst>
+            <pc:docMk/>
+            <pc:sldMk cId="1177257315" sldId="438"/>
+            <ac:grpSpMk id="22" creationId="{0F6A05BD-14E9-AE4A-D2CC-BA8E43244E4D}"/>
+          </ac:grpSpMkLst>
+        </pc:grpChg>
+        <pc:grpChg chg="add mod">
+          <ac:chgData name="범수 김" userId="863329ffd88cf9fc" providerId="LiveId" clId="{F25647C8-6B74-4490-A5B7-D657EA0F1D8A}" dt="2024-01-04T04:46:08.863" v="3431" actId="164"/>
+          <ac:grpSpMkLst>
+            <pc:docMk/>
+            <pc:sldMk cId="1177257315" sldId="438"/>
+            <ac:grpSpMk id="23" creationId="{B9360079-EB9E-33A6-3DB6-43D54A77B8D3}"/>
+          </ac:grpSpMkLst>
+        </pc:grpChg>
+        <pc:grpChg chg="add mod">
+          <ac:chgData name="범수 김" userId="863329ffd88cf9fc" providerId="LiveId" clId="{F25647C8-6B74-4490-A5B7-D657EA0F1D8A}" dt="2024-01-04T04:46:13.716" v="3435" actId="164"/>
+          <ac:grpSpMkLst>
+            <pc:docMk/>
+            <pc:sldMk cId="1177257315" sldId="438"/>
+            <ac:grpSpMk id="24" creationId="{4526090A-9BC0-E736-FA87-A69DE6E7C32A}"/>
+          </ac:grpSpMkLst>
+        </pc:grpChg>
+        <pc:grpChg chg="add mod">
+          <ac:chgData name="범수 김" userId="863329ffd88cf9fc" providerId="LiveId" clId="{F25647C8-6B74-4490-A5B7-D657EA0F1D8A}" dt="2024-01-04T04:47:36.723" v="3569" actId="1076"/>
+          <ac:grpSpMkLst>
+            <pc:docMk/>
+            <pc:sldMk cId="1177257315" sldId="438"/>
+            <ac:grpSpMk id="25" creationId="{B5E7C110-8BBE-FE2D-3E7F-41DDF17C209E}"/>
+          </ac:grpSpMkLst>
+        </pc:grpChg>
+        <pc:picChg chg="add del mod">
+          <ac:chgData name="범수 김" userId="863329ffd88cf9fc" providerId="LiveId" clId="{F25647C8-6B74-4490-A5B7-D657EA0F1D8A}" dt="2024-01-04T04:47:38.119" v="3570" actId="478"/>
+          <ac:picMkLst>
+            <pc:docMk/>
+            <pc:sldMk cId="1177257315" sldId="438"/>
+            <ac:picMk id="8" creationId="{5C17BFDB-FEFB-65C9-AB39-8DE0E8C11A4D}"/>
+          </ac:picMkLst>
+        </pc:picChg>
+        <pc:picChg chg="add mod">
+          <ac:chgData name="범수 김" userId="863329ffd88cf9fc" providerId="LiveId" clId="{F25647C8-6B74-4490-A5B7-D657EA0F1D8A}" dt="2024-01-04T04:45:44.485" v="3415" actId="571"/>
+          <ac:picMkLst>
+            <pc:docMk/>
+            <pc:sldMk cId="1177257315" sldId="438"/>
+            <ac:picMk id="12" creationId="{0B579F37-D419-A74A-044B-92F48292B488}"/>
+          </ac:picMkLst>
+        </pc:picChg>
+        <pc:picChg chg="mod">
+          <ac:chgData name="범수 김" userId="863329ffd88cf9fc" providerId="LiveId" clId="{F25647C8-6B74-4490-A5B7-D657EA0F1D8A}" dt="2024-01-04T04:46:13.716" v="3435" actId="164"/>
+          <ac:picMkLst>
+            <pc:docMk/>
+            <pc:sldMk cId="1177257315" sldId="438"/>
+            <ac:picMk id="14" creationId="{986AD32F-D09E-0DC8-456D-DC8ED0D19403}"/>
+          </ac:picMkLst>
+        </pc:picChg>
+        <pc:picChg chg="add mod">
+          <ac:chgData name="범수 김" userId="863329ffd88cf9fc" providerId="LiveId" clId="{F25647C8-6B74-4490-A5B7-D657EA0F1D8A}" dt="2024-01-04T04:45:48.137" v="3419" actId="571"/>
+          <ac:picMkLst>
+            <pc:docMk/>
+            <pc:sldMk cId="1177257315" sldId="438"/>
+            <ac:picMk id="15" creationId="{B3B34F04-8479-8066-ACED-A4A347BE6447}"/>
+          </ac:picMkLst>
+        </pc:picChg>
+        <pc:picChg chg="add mod">
+          <ac:chgData name="범수 김" userId="863329ffd88cf9fc" providerId="LiveId" clId="{F25647C8-6B74-4490-A5B7-D657EA0F1D8A}" dt="2024-01-04T04:45:50.943" v="3421" actId="571"/>
+          <ac:picMkLst>
+            <pc:docMk/>
+            <pc:sldMk cId="1177257315" sldId="438"/>
+            <ac:picMk id="17" creationId="{E8E00B20-EEC1-9736-0484-241C7E7D6C7F}"/>
+          </ac:picMkLst>
+        </pc:picChg>
+        <pc:picChg chg="add mod">
+          <ac:chgData name="범수 김" userId="863329ffd88cf9fc" providerId="LiveId" clId="{F25647C8-6B74-4490-A5B7-D657EA0F1D8A}" dt="2024-01-04T04:47:50.878" v="3577" actId="1076"/>
+          <ac:picMkLst>
+            <pc:docMk/>
+            <pc:sldMk cId="1177257315" sldId="438"/>
+            <ac:picMk id="28" creationId="{C7237E3E-38E6-3A24-81FE-085C84E9A9E5}"/>
+          </ac:picMkLst>
+        </pc:picChg>
+        <pc:picChg chg="add mod">
+          <ac:chgData name="범수 김" userId="863329ffd88cf9fc" providerId="LiveId" clId="{F25647C8-6B74-4490-A5B7-D657EA0F1D8A}" dt="2024-01-04T04:49:15.096" v="3689" actId="1076"/>
+          <ac:picMkLst>
+            <pc:docMk/>
+            <pc:sldMk cId="1177257315" sldId="438"/>
+            <ac:picMk id="33" creationId="{52521416-D749-77A3-84AF-513D76DBB4D7}"/>
+          </ac:picMkLst>
+        </pc:picChg>
+      </pc:sldChg>
+      <pc:sldChg chg="addSp delSp modSp add mod">
+        <pc:chgData name="범수 김" userId="863329ffd88cf9fc" providerId="LiveId" clId="{F25647C8-6B74-4490-A5B7-D657EA0F1D8A}" dt="2024-01-04T04:51:19.025" v="3850" actId="1076"/>
+        <pc:sldMkLst>
+          <pc:docMk/>
+          <pc:sldMk cId="661184900" sldId="439"/>
+        </pc:sldMkLst>
+        <pc:spChg chg="mod">
+          <ac:chgData name="범수 김" userId="863329ffd88cf9fc" providerId="LiveId" clId="{F25647C8-6B74-4490-A5B7-D657EA0F1D8A}" dt="2024-01-04T04:50:14.801" v="3844" actId="20577"/>
+          <ac:spMkLst>
+            <pc:docMk/>
+            <pc:sldMk cId="661184900" sldId="439"/>
+            <ac:spMk id="2" creationId="{D6FF3B9F-4BE9-FD1A-FC12-925685C2A976}"/>
+          </ac:spMkLst>
+        </pc:spChg>
+        <pc:spChg chg="add del mod">
+          <ac:chgData name="범수 김" userId="863329ffd88cf9fc" providerId="LiveId" clId="{F25647C8-6B74-4490-A5B7-D657EA0F1D8A}" dt="2024-01-04T04:51:16.093" v="3849" actId="478"/>
+          <ac:spMkLst>
+            <pc:docMk/>
+            <pc:sldMk cId="661184900" sldId="439"/>
+            <ac:spMk id="3" creationId="{4A549FFE-1378-17CA-94FB-A593E857B694}"/>
+          </ac:spMkLst>
+        </pc:spChg>
+        <pc:spChg chg="del">
+          <ac:chgData name="범수 김" userId="863329ffd88cf9fc" providerId="LiveId" clId="{F25647C8-6B74-4490-A5B7-D657EA0F1D8A}" dt="2024-01-04T04:50:07.296" v="3834" actId="478"/>
+          <ac:spMkLst>
+            <pc:docMk/>
+            <pc:sldMk cId="661184900" sldId="439"/>
+            <ac:spMk id="9" creationId="{A098E804-6E45-DA9E-C63D-7E8B4816FCC4}"/>
+          </ac:spMkLst>
+        </pc:spChg>
+        <pc:spChg chg="del topLvl">
+          <ac:chgData name="범수 김" userId="863329ffd88cf9fc" providerId="LiveId" clId="{F25647C8-6B74-4490-A5B7-D657EA0F1D8A}" dt="2024-01-04T04:50:08.280" v="3835" actId="478"/>
+          <ac:spMkLst>
+            <pc:docMk/>
+            <pc:sldMk cId="661184900" sldId="439"/>
+            <ac:spMk id="19" creationId="{809F217B-31EC-1AB5-B4AB-B49247649CEA}"/>
+          </ac:spMkLst>
+        </pc:spChg>
+        <pc:spChg chg="del mod">
+          <ac:chgData name="범수 김" userId="863329ffd88cf9fc" providerId="LiveId" clId="{F25647C8-6B74-4490-A5B7-D657EA0F1D8A}" dt="2024-01-04T04:50:05.514" v="3833" actId="478"/>
+          <ac:spMkLst>
+            <pc:docMk/>
+            <pc:sldMk cId="661184900" sldId="439"/>
+            <ac:spMk id="26" creationId="{557E3922-283E-B668-17CE-D786680C790E}"/>
+          </ac:spMkLst>
+        </pc:spChg>
+        <pc:grpChg chg="mod topLvl">
+          <ac:chgData name="범수 김" userId="863329ffd88cf9fc" providerId="LiveId" clId="{F25647C8-6B74-4490-A5B7-D657EA0F1D8A}" dt="2024-01-04T04:51:19.025" v="3850" actId="1076"/>
+          <ac:grpSpMkLst>
+            <pc:docMk/>
+            <pc:sldMk cId="661184900" sldId="439"/>
+            <ac:grpSpMk id="22" creationId="{0F6A05BD-14E9-AE4A-D2CC-BA8E43244E4D}"/>
+          </ac:grpSpMkLst>
+        </pc:grpChg>
+        <pc:grpChg chg="del topLvl">
+          <ac:chgData name="범수 김" userId="863329ffd88cf9fc" providerId="LiveId" clId="{F25647C8-6B74-4490-A5B7-D657EA0F1D8A}" dt="2024-01-04T04:50:08.280" v="3835" actId="478"/>
+          <ac:grpSpMkLst>
+            <pc:docMk/>
+            <pc:sldMk cId="661184900" sldId="439"/>
+            <ac:grpSpMk id="24" creationId="{4526090A-9BC0-E736-FA87-A69DE6E7C32A}"/>
+          </ac:grpSpMkLst>
+        </pc:grpChg>
+        <pc:grpChg chg="del mod">
+          <ac:chgData name="범수 김" userId="863329ffd88cf9fc" providerId="LiveId" clId="{F25647C8-6B74-4490-A5B7-D657EA0F1D8A}" dt="2024-01-04T04:50:04.817" v="3832" actId="478"/>
+          <ac:grpSpMkLst>
+            <pc:docMk/>
+            <pc:sldMk cId="661184900" sldId="439"/>
+            <ac:grpSpMk id="25" creationId="{B5E7C110-8BBE-FE2D-3E7F-41DDF17C209E}"/>
+          </ac:grpSpMkLst>
+        </pc:grpChg>
+        <pc:picChg chg="del topLvl">
+          <ac:chgData name="범수 김" userId="863329ffd88cf9fc" providerId="LiveId" clId="{F25647C8-6B74-4490-A5B7-D657EA0F1D8A}" dt="2024-01-04T04:50:04.817" v="3832" actId="478"/>
+          <ac:picMkLst>
+            <pc:docMk/>
+            <pc:sldMk cId="661184900" sldId="439"/>
+            <ac:picMk id="14" creationId="{986AD32F-D09E-0DC8-456D-DC8ED0D19403}"/>
+          </ac:picMkLst>
+        </pc:picChg>
+        <pc:picChg chg="del mod">
+          <ac:chgData name="범수 김" userId="863329ffd88cf9fc" providerId="LiveId" clId="{F25647C8-6B74-4490-A5B7-D657EA0F1D8A}" dt="2024-01-04T04:50:03.639" v="3831" actId="478"/>
+          <ac:picMkLst>
+            <pc:docMk/>
+            <pc:sldMk cId="661184900" sldId="439"/>
+            <ac:picMk id="28" creationId="{C7237E3E-38E6-3A24-81FE-085C84E9A9E5}"/>
+          </ac:picMkLst>
+        </pc:picChg>
+      </pc:sldChg>
+      <pc:sldChg chg="addSp delSp modSp add mod">
+        <pc:chgData name="범수 김" userId="863329ffd88cf9fc" providerId="LiveId" clId="{F25647C8-6B74-4490-A5B7-D657EA0F1D8A}" dt="2024-01-04T04:57:18.076" v="4469" actId="20577"/>
+        <pc:sldMkLst>
+          <pc:docMk/>
+          <pc:sldMk cId="1544100830" sldId="440"/>
+        </pc:sldMkLst>
+        <pc:spChg chg="mod">
+          <ac:chgData name="범수 김" userId="863329ffd88cf9fc" providerId="LiveId" clId="{F25647C8-6B74-4490-A5B7-D657EA0F1D8A}" dt="2024-01-04T04:57:18.076" v="4469" actId="20577"/>
+          <ac:spMkLst>
+            <pc:docMk/>
+            <pc:sldMk cId="1544100830" sldId="440"/>
+            <ac:spMk id="2" creationId="{D6FF3B9F-4BE9-FD1A-FC12-925685C2A976}"/>
+          </ac:spMkLst>
+        </pc:spChg>
+        <pc:spChg chg="add mod">
+          <ac:chgData name="범수 김" userId="863329ffd88cf9fc" providerId="LiveId" clId="{F25647C8-6B74-4490-A5B7-D657EA0F1D8A}" dt="2024-01-04T04:53:39.348" v="4048" actId="164"/>
+          <ac:spMkLst>
+            <pc:docMk/>
+            <pc:sldMk cId="1544100830" sldId="440"/>
+            <ac:spMk id="6" creationId="{313BDAAD-6324-7626-5BDB-CC9C0AA58D27}"/>
+          </ac:spMkLst>
+        </pc:spChg>
+        <pc:grpChg chg="add mod">
+          <ac:chgData name="범수 김" userId="863329ffd88cf9fc" providerId="LiveId" clId="{F25647C8-6B74-4490-A5B7-D657EA0F1D8A}" dt="2024-01-04T04:53:47.085" v="4065" actId="1076"/>
+          <ac:grpSpMkLst>
+            <pc:docMk/>
+            <pc:sldMk cId="1544100830" sldId="440"/>
+            <ac:grpSpMk id="7" creationId="{C8DCE7E8-D534-004C-176E-3209BB2D2EE0}"/>
+          </ac:grpSpMkLst>
+        </pc:grpChg>
+        <pc:grpChg chg="del">
+          <ac:chgData name="범수 김" userId="863329ffd88cf9fc" providerId="LiveId" clId="{F25647C8-6B74-4490-A5B7-D657EA0F1D8A}" dt="2024-01-04T04:51:21.519" v="3852" actId="478"/>
+          <ac:grpSpMkLst>
+            <pc:docMk/>
+            <pc:sldMk cId="1544100830" sldId="440"/>
+            <ac:grpSpMk id="22" creationId="{0F6A05BD-14E9-AE4A-D2CC-BA8E43244E4D}"/>
+          </ac:grpSpMkLst>
+        </pc:grpChg>
+        <pc:picChg chg="add mod">
+          <ac:chgData name="범수 김" userId="863329ffd88cf9fc" providerId="LiveId" clId="{F25647C8-6B74-4490-A5B7-D657EA0F1D8A}" dt="2024-01-04T04:53:39.348" v="4048" actId="164"/>
+          <ac:picMkLst>
+            <pc:docMk/>
+            <pc:sldMk cId="1544100830" sldId="440"/>
+            <ac:picMk id="4" creationId="{96DEF514-0676-3A07-9D09-B342040E1C9B}"/>
           </ac:picMkLst>
         </pc:picChg>
       </pc:sldChg>
@@ -3970,6 +4711,3262 @@
 </p:sld>
 </file>
 
+<file path=ppt/slides/slide10.xml><?xml version="1.0" encoding="utf-8"?>
+<p:sld xmlns:a="http://schemas.openxmlformats.org/drawingml/2006/main" xmlns:r="http://schemas.openxmlformats.org/officeDocument/2006/relationships" xmlns:p="http://schemas.openxmlformats.org/presentationml/2006/main">
+  <p:cSld>
+    <p:spTree>
+      <p:nvGrpSpPr>
+        <p:cNvPr id="1" name=""/>
+        <p:cNvGrpSpPr/>
+        <p:nvPr/>
+      </p:nvGrpSpPr>
+      <p:grpSpPr>
+        <a:xfrm>
+          <a:off x="0" y="0"/>
+          <a:ext cx="0" cy="0"/>
+          <a:chOff x="0" y="0"/>
+          <a:chExt cx="0" cy="0"/>
+        </a:xfrm>
+      </p:grpSpPr>
+      <p:sp>
+        <p:nvSpPr>
+          <p:cNvPr id="5" name="TextBox 4">
+            <a:extLst>
+              <a:ext uri="{FF2B5EF4-FFF2-40B4-BE49-F238E27FC236}">
+                <a16:creationId xmlns:a16="http://schemas.microsoft.com/office/drawing/2014/main" id="{A389414F-66B7-1262-7F78-D45BD7660CF6}"/>
+              </a:ext>
+            </a:extLst>
+          </p:cNvPr>
+          <p:cNvSpPr txBox="1"/>
+          <p:nvPr/>
+        </p:nvSpPr>
+        <p:spPr>
+          <a:xfrm>
+            <a:off x="285910" y="184373"/>
+            <a:ext cx="3026791" cy="400110"/>
+          </a:xfrm>
+          <a:prstGeom prst="rect">
+            <a:avLst/>
+          </a:prstGeom>
+          <a:solidFill>
+            <a:srgbClr val="1C3166"/>
+          </a:solidFill>
+          <a:ln>
+            <a:solidFill>
+              <a:schemeClr val="tx1"/>
+            </a:solidFill>
+          </a:ln>
+        </p:spPr>
+        <p:txBody>
+          <a:bodyPr wrap="none" rtlCol="0">
+            <a:spAutoFit/>
+          </a:bodyPr>
+          <a:lstStyle/>
+          <a:p>
+            <a:pPr algn="ctr"/>
+            <a:r>
+              <a:rPr lang="ko-KR" altLang="en-US" sz="2000" dirty="0" err="1">
+                <a:solidFill>
+                  <a:schemeClr val="bg1"/>
+                </a:solidFill>
+                <a:latin typeface="에스코어 드림 6 Bold" panose="020B0703030302020204" pitchFamily="34" charset="-127"/>
+                <a:ea typeface="에스코어 드림 6 Bold" panose="020B0703030302020204" pitchFamily="34" charset="-127"/>
+              </a:rPr>
+              <a:t>깃허브</a:t>
+            </a:r>
+            <a:r>
+              <a:rPr lang="en-US" altLang="ko-KR" sz="2000" dirty="0">
+                <a:solidFill>
+                  <a:schemeClr val="bg1"/>
+                </a:solidFill>
+                <a:latin typeface="에스코어 드림 6 Bold" panose="020B0703030302020204" pitchFamily="34" charset="-127"/>
+                <a:ea typeface="에스코어 드림 6 Bold" panose="020B0703030302020204" pitchFamily="34" charset="-127"/>
+              </a:rPr>
+              <a:t>-</a:t>
+            </a:r>
+            <a:r>
+              <a:rPr lang="ko-KR" altLang="en-US" sz="2000" dirty="0" err="1">
+                <a:solidFill>
+                  <a:schemeClr val="bg1"/>
+                </a:solidFill>
+                <a:latin typeface="에스코어 드림 6 Bold" panose="020B0703030302020204" pitchFamily="34" charset="-127"/>
+                <a:ea typeface="에스코어 드림 6 Bold" panose="020B0703030302020204" pitchFamily="34" charset="-127"/>
+              </a:rPr>
+              <a:t>브랜치</a:t>
+            </a:r>
+            <a:r>
+              <a:rPr lang="ko-KR" altLang="en-US" sz="2000" dirty="0">
+                <a:solidFill>
+                  <a:schemeClr val="bg1"/>
+                </a:solidFill>
+                <a:latin typeface="에스코어 드림 6 Bold" panose="020B0703030302020204" pitchFamily="34" charset="-127"/>
+                <a:ea typeface="에스코어 드림 6 Bold" panose="020B0703030302020204" pitchFamily="34" charset="-127"/>
+              </a:rPr>
+              <a:t> </a:t>
+            </a:r>
+            <a:r>
+              <a:rPr lang="en-US" altLang="ko-KR" sz="2000" dirty="0">
+                <a:solidFill>
+                  <a:schemeClr val="bg1"/>
+                </a:solidFill>
+                <a:latin typeface="에스코어 드림 6 Bold" panose="020B0703030302020204" pitchFamily="34" charset="-127"/>
+                <a:ea typeface="에스코어 드림 6 Bold" panose="020B0703030302020204" pitchFamily="34" charset="-127"/>
+              </a:rPr>
+              <a:t>push </a:t>
+            </a:r>
+            <a:r>
+              <a:rPr lang="ko-KR" altLang="en-US" sz="2000" dirty="0">
+                <a:solidFill>
+                  <a:schemeClr val="bg1"/>
+                </a:solidFill>
+                <a:latin typeface="에스코어 드림 6 Bold" panose="020B0703030302020204" pitchFamily="34" charset="-127"/>
+                <a:ea typeface="에스코어 드림 6 Bold" panose="020B0703030302020204" pitchFamily="34" charset="-127"/>
+              </a:rPr>
+              <a:t>막기</a:t>
+            </a:r>
+          </a:p>
+        </p:txBody>
+      </p:sp>
+      <p:sp>
+        <p:nvSpPr>
+          <p:cNvPr id="2" name="TextBox 1">
+            <a:extLst>
+              <a:ext uri="{FF2B5EF4-FFF2-40B4-BE49-F238E27FC236}">
+                <a16:creationId xmlns:a16="http://schemas.microsoft.com/office/drawing/2014/main" id="{D6FF3B9F-4BE9-FD1A-FC12-925685C2A976}"/>
+              </a:ext>
+            </a:extLst>
+          </p:cNvPr>
+          <p:cNvSpPr txBox="1"/>
+          <p:nvPr/>
+        </p:nvSpPr>
+        <p:spPr>
+          <a:xfrm>
+            <a:off x="285910" y="757083"/>
+            <a:ext cx="5780942" cy="1477328"/>
+          </a:xfrm>
+          <a:prstGeom prst="rect">
+            <a:avLst/>
+          </a:prstGeom>
+          <a:noFill/>
+          <a:ln>
+            <a:solidFill>
+              <a:schemeClr val="tx1"/>
+            </a:solidFill>
+          </a:ln>
+        </p:spPr>
+        <p:txBody>
+          <a:bodyPr wrap="none" rtlCol="0">
+            <a:spAutoFit/>
+          </a:bodyPr>
+          <a:lstStyle/>
+          <a:p>
+            <a:r>
+              <a:rPr lang="en-US" altLang="ko-KR" dirty="0"/>
+              <a:t>&lt;</a:t>
+            </a:r>
+            <a:r>
+              <a:rPr lang="ko-KR" altLang="en-US" dirty="0"/>
+              <a:t>진행</a:t>
+            </a:r>
+            <a:r>
+              <a:rPr lang="en-US" altLang="ko-KR" dirty="0"/>
+              <a:t>&gt;</a:t>
+            </a:r>
+          </a:p>
+          <a:p>
+            <a:pPr marL="342900" indent="-342900">
+              <a:buAutoNum type="arabicPeriod"/>
+            </a:pPr>
+            <a:r>
+              <a:rPr lang="ko-KR" altLang="en-US" dirty="0" err="1"/>
+              <a:t>깃허브</a:t>
+            </a:r>
+            <a:r>
+              <a:rPr lang="ko-KR" altLang="en-US" dirty="0"/>
+              <a:t> 접속</a:t>
+            </a:r>
+            <a:endParaRPr lang="en-US" altLang="ko-KR" dirty="0"/>
+          </a:p>
+          <a:p>
+            <a:pPr marL="342900" indent="-342900">
+              <a:buAutoNum type="arabicPeriod"/>
+            </a:pPr>
+            <a:r>
+              <a:rPr lang="ko-KR" altLang="en-US" dirty="0"/>
+              <a:t>관리자 권한 접속</a:t>
+            </a:r>
+            <a:endParaRPr lang="en-US" altLang="ko-KR" dirty="0"/>
+          </a:p>
+          <a:p>
+            <a:pPr marL="342900" indent="-342900">
+              <a:buAutoNum type="arabicPeriod"/>
+            </a:pPr>
+            <a:r>
+              <a:rPr lang="en-US" altLang="ko-KR" dirty="0"/>
+              <a:t>setting </a:t>
+            </a:r>
+            <a:r>
+              <a:rPr lang="ko-KR" altLang="en-US" dirty="0"/>
+              <a:t>클릭 </a:t>
+            </a:r>
+            <a:endParaRPr lang="en-US" altLang="ko-KR" dirty="0"/>
+          </a:p>
+          <a:p>
+            <a:pPr marL="342900" indent="-342900">
+              <a:buAutoNum type="arabicPeriod"/>
+            </a:pPr>
+            <a:r>
+              <a:rPr lang="en-US" altLang="ko-KR" dirty="0"/>
+              <a:t>branches </a:t>
+            </a:r>
+            <a:r>
+              <a:rPr lang="ko-KR" altLang="en-US" dirty="0"/>
+              <a:t>클릭 </a:t>
+            </a:r>
+            <a:r>
+              <a:rPr lang="en-US" altLang="ko-KR" dirty="0"/>
+              <a:t>&gt; Add branch protection rule </a:t>
+            </a:r>
+            <a:r>
+              <a:rPr lang="ko-KR" altLang="en-US" dirty="0"/>
+              <a:t>클릭</a:t>
+            </a:r>
+            <a:endParaRPr lang="en-US" altLang="ko-KR" dirty="0"/>
+          </a:p>
+        </p:txBody>
+      </p:sp>
+      <p:grpSp>
+        <p:nvGrpSpPr>
+          <p:cNvPr id="17" name="그룹 16">
+            <a:extLst>
+              <a:ext uri="{FF2B5EF4-FFF2-40B4-BE49-F238E27FC236}">
+                <a16:creationId xmlns:a16="http://schemas.microsoft.com/office/drawing/2014/main" id="{E63C87C9-17A7-68E1-913C-017E81EA40D2}"/>
+              </a:ext>
+            </a:extLst>
+          </p:cNvPr>
+          <p:cNvGrpSpPr/>
+          <p:nvPr/>
+        </p:nvGrpSpPr>
+        <p:grpSpPr>
+          <a:xfrm>
+            <a:off x="285910" y="2407011"/>
+            <a:ext cx="10309762" cy="4029359"/>
+            <a:chOff x="285910" y="2407011"/>
+            <a:chExt cx="10309762" cy="4029359"/>
+          </a:xfrm>
+        </p:grpSpPr>
+        <p:grpSp>
+          <p:nvGrpSpPr>
+            <p:cNvPr id="7" name="그룹 6">
+              <a:extLst>
+                <a:ext uri="{FF2B5EF4-FFF2-40B4-BE49-F238E27FC236}">
+                  <a16:creationId xmlns:a16="http://schemas.microsoft.com/office/drawing/2014/main" id="{9E9A609B-C04C-DFAD-D4E1-A43314754563}"/>
+                </a:ext>
+              </a:extLst>
+            </p:cNvPr>
+            <p:cNvGrpSpPr/>
+            <p:nvPr/>
+          </p:nvGrpSpPr>
+          <p:grpSpPr>
+            <a:xfrm>
+              <a:off x="285910" y="2407011"/>
+              <a:ext cx="10309762" cy="1414378"/>
+              <a:chOff x="285910" y="2911815"/>
+              <a:chExt cx="10309762" cy="1414378"/>
+            </a:xfrm>
+          </p:grpSpPr>
+          <p:pic>
+            <p:nvPicPr>
+              <p:cNvPr id="4" name="그림 3">
+                <a:extLst>
+                  <a:ext uri="{FF2B5EF4-FFF2-40B4-BE49-F238E27FC236}">
+                    <a16:creationId xmlns:a16="http://schemas.microsoft.com/office/drawing/2014/main" id="{7ED6C2FD-1B9A-C771-6E00-69D22F0A878E}"/>
+                  </a:ext>
+                </a:extLst>
+              </p:cNvPr>
+              <p:cNvPicPr>
+                <a:picLocks noChangeAspect="1"/>
+              </p:cNvPicPr>
+              <p:nvPr/>
+            </p:nvPicPr>
+            <p:blipFill>
+              <a:blip r:embed="rId2"/>
+              <a:stretch>
+                <a:fillRect/>
+              </a:stretch>
+            </p:blipFill>
+            <p:spPr>
+              <a:xfrm>
+                <a:off x="285910" y="2911815"/>
+                <a:ext cx="10309762" cy="1414378"/>
+              </a:xfrm>
+              <a:prstGeom prst="rect">
+                <a:avLst/>
+              </a:prstGeom>
+            </p:spPr>
+          </p:pic>
+          <p:sp>
+            <p:nvSpPr>
+              <p:cNvPr id="6" name="직사각형 5">
+                <a:extLst>
+                  <a:ext uri="{FF2B5EF4-FFF2-40B4-BE49-F238E27FC236}">
+                    <a16:creationId xmlns:a16="http://schemas.microsoft.com/office/drawing/2014/main" id="{70FEF72F-4827-A221-C87F-5C92CF85D239}"/>
+                  </a:ext>
+                </a:extLst>
+              </p:cNvPr>
+              <p:cNvSpPr/>
+              <p:nvPr/>
+            </p:nvSpPr>
+            <p:spPr>
+              <a:xfrm>
+                <a:off x="9242322" y="3619004"/>
+                <a:ext cx="1160207" cy="363061"/>
+              </a:xfrm>
+              <a:prstGeom prst="rect">
+                <a:avLst/>
+              </a:prstGeom>
+              <a:noFill/>
+              <a:ln w="38100">
+                <a:solidFill>
+                  <a:srgbClr val="FF0000"/>
+                </a:solidFill>
+              </a:ln>
+            </p:spPr>
+            <p:style>
+              <a:lnRef idx="2">
+                <a:schemeClr val="accent1">
+                  <a:shade val="15000"/>
+                </a:schemeClr>
+              </a:lnRef>
+              <a:fillRef idx="1">
+                <a:schemeClr val="accent1"/>
+              </a:fillRef>
+              <a:effectRef idx="0">
+                <a:schemeClr val="accent1"/>
+              </a:effectRef>
+              <a:fontRef idx="minor">
+                <a:schemeClr val="lt1"/>
+              </a:fontRef>
+            </p:style>
+            <p:txBody>
+              <a:bodyPr rtlCol="0" anchor="ctr"/>
+              <a:lstStyle/>
+              <a:p>
+                <a:pPr algn="ctr"/>
+                <a:endParaRPr lang="ko-KR" altLang="en-US"/>
+              </a:p>
+            </p:txBody>
+          </p:sp>
+        </p:grpSp>
+        <p:sp>
+          <p:nvSpPr>
+            <p:cNvPr id="8" name="화살표: 아래쪽 7">
+              <a:extLst>
+                <a:ext uri="{FF2B5EF4-FFF2-40B4-BE49-F238E27FC236}">
+                  <a16:creationId xmlns:a16="http://schemas.microsoft.com/office/drawing/2014/main" id="{475F393C-A230-6CEF-8675-C6C5EDE848A7}"/>
+                </a:ext>
+              </a:extLst>
+            </p:cNvPr>
+            <p:cNvSpPr/>
+            <p:nvPr/>
+          </p:nvSpPr>
+          <p:spPr>
+            <a:xfrm>
+              <a:off x="5132439" y="3864077"/>
+              <a:ext cx="432619" cy="560439"/>
+            </a:xfrm>
+            <a:prstGeom prst="downArrow">
+              <a:avLst/>
+            </a:prstGeom>
+          </p:spPr>
+          <p:style>
+            <a:lnRef idx="2">
+              <a:schemeClr val="accent1">
+                <a:shade val="15000"/>
+              </a:schemeClr>
+            </a:lnRef>
+            <a:fillRef idx="1">
+              <a:schemeClr val="accent1"/>
+            </a:fillRef>
+            <a:effectRef idx="0">
+              <a:schemeClr val="accent1"/>
+            </a:effectRef>
+            <a:fontRef idx="minor">
+              <a:schemeClr val="lt1"/>
+            </a:fontRef>
+          </p:style>
+          <p:txBody>
+            <a:bodyPr rtlCol="0" anchor="ctr"/>
+            <a:lstStyle/>
+            <a:p>
+              <a:pPr algn="ctr"/>
+              <a:endParaRPr lang="ko-KR" altLang="en-US"/>
+            </a:p>
+          </p:txBody>
+        </p:sp>
+        <p:grpSp>
+          <p:nvGrpSpPr>
+            <p:cNvPr id="12" name="그룹 11">
+              <a:extLst>
+                <a:ext uri="{FF2B5EF4-FFF2-40B4-BE49-F238E27FC236}">
+                  <a16:creationId xmlns:a16="http://schemas.microsoft.com/office/drawing/2014/main" id="{6D7FF572-68E9-1BFF-6438-294A40E4E3FC}"/>
+                </a:ext>
+              </a:extLst>
+            </p:cNvPr>
+            <p:cNvGrpSpPr/>
+            <p:nvPr/>
+          </p:nvGrpSpPr>
+          <p:grpSpPr>
+            <a:xfrm>
+              <a:off x="285910" y="4424516"/>
+              <a:ext cx="2446232" cy="2011854"/>
+              <a:chOff x="285910" y="4424516"/>
+              <a:chExt cx="2446232" cy="2011854"/>
+            </a:xfrm>
+          </p:grpSpPr>
+          <p:pic>
+            <p:nvPicPr>
+              <p:cNvPr id="10" name="그림 9">
+                <a:extLst>
+                  <a:ext uri="{FF2B5EF4-FFF2-40B4-BE49-F238E27FC236}">
+                    <a16:creationId xmlns:a16="http://schemas.microsoft.com/office/drawing/2014/main" id="{843E95DA-C0E8-6E28-8A79-8F759BD8BA29}"/>
+                  </a:ext>
+                </a:extLst>
+              </p:cNvPr>
+              <p:cNvPicPr>
+                <a:picLocks noChangeAspect="1"/>
+              </p:cNvPicPr>
+              <p:nvPr/>
+            </p:nvPicPr>
+            <p:blipFill>
+              <a:blip r:embed="rId3"/>
+              <a:stretch>
+                <a:fillRect/>
+              </a:stretch>
+            </p:blipFill>
+            <p:spPr>
+              <a:xfrm>
+                <a:off x="285910" y="4424516"/>
+                <a:ext cx="2446232" cy="2011854"/>
+              </a:xfrm>
+              <a:prstGeom prst="rect">
+                <a:avLst/>
+              </a:prstGeom>
+            </p:spPr>
+          </p:pic>
+          <p:sp>
+            <p:nvSpPr>
+              <p:cNvPr id="11" name="직사각형 10">
+                <a:extLst>
+                  <a:ext uri="{FF2B5EF4-FFF2-40B4-BE49-F238E27FC236}">
+                    <a16:creationId xmlns:a16="http://schemas.microsoft.com/office/drawing/2014/main" id="{2917B881-D02C-4854-1FBE-E055CF75A202}"/>
+                  </a:ext>
+                </a:extLst>
+              </p:cNvPr>
+              <p:cNvSpPr/>
+              <p:nvPr/>
+            </p:nvSpPr>
+            <p:spPr>
+              <a:xfrm>
+                <a:off x="417871" y="5919386"/>
+                <a:ext cx="1160207" cy="363061"/>
+              </a:xfrm>
+              <a:prstGeom prst="rect">
+                <a:avLst/>
+              </a:prstGeom>
+              <a:noFill/>
+              <a:ln w="38100">
+                <a:solidFill>
+                  <a:srgbClr val="FF0000"/>
+                </a:solidFill>
+              </a:ln>
+            </p:spPr>
+            <p:style>
+              <a:lnRef idx="2">
+                <a:schemeClr val="accent1">
+                  <a:shade val="15000"/>
+                </a:schemeClr>
+              </a:lnRef>
+              <a:fillRef idx="1">
+                <a:schemeClr val="accent1"/>
+              </a:fillRef>
+              <a:effectRef idx="0">
+                <a:schemeClr val="accent1"/>
+              </a:effectRef>
+              <a:fontRef idx="minor">
+                <a:schemeClr val="lt1"/>
+              </a:fontRef>
+            </p:style>
+            <p:txBody>
+              <a:bodyPr rtlCol="0" anchor="ctr"/>
+              <a:lstStyle/>
+              <a:p>
+                <a:pPr algn="ctr"/>
+                <a:endParaRPr lang="ko-KR" altLang="en-US"/>
+              </a:p>
+            </p:txBody>
+          </p:sp>
+        </p:grpSp>
+        <p:pic>
+          <p:nvPicPr>
+            <p:cNvPr id="14" name="그림 13">
+              <a:extLst>
+                <a:ext uri="{FF2B5EF4-FFF2-40B4-BE49-F238E27FC236}">
+                  <a16:creationId xmlns:a16="http://schemas.microsoft.com/office/drawing/2014/main" id="{A84EA807-4F41-7215-A639-611AEAB8CBFF}"/>
+                </a:ext>
+              </a:extLst>
+            </p:cNvPr>
+            <p:cNvPicPr>
+              <a:picLocks noChangeAspect="1"/>
+            </p:cNvPicPr>
+            <p:nvPr/>
+          </p:nvPicPr>
+          <p:blipFill>
+            <a:blip r:embed="rId4"/>
+            <a:stretch>
+              <a:fillRect/>
+            </a:stretch>
+          </p:blipFill>
+          <p:spPr>
+            <a:xfrm>
+              <a:off x="4052330" y="5034168"/>
+              <a:ext cx="3635055" cy="1402202"/>
+            </a:xfrm>
+            <a:prstGeom prst="rect">
+              <a:avLst/>
+            </a:prstGeom>
+          </p:spPr>
+        </p:pic>
+        <p:sp>
+          <p:nvSpPr>
+            <p:cNvPr id="15" name="화살표: 오른쪽 14">
+              <a:extLst>
+                <a:ext uri="{FF2B5EF4-FFF2-40B4-BE49-F238E27FC236}">
+                  <a16:creationId xmlns:a16="http://schemas.microsoft.com/office/drawing/2014/main" id="{03ED1F4B-EED2-AE39-8DE3-EB2779504C5D}"/>
+                </a:ext>
+              </a:extLst>
+            </p:cNvPr>
+            <p:cNvSpPr/>
+            <p:nvPr/>
+          </p:nvSpPr>
+          <p:spPr>
+            <a:xfrm>
+              <a:off x="2989006" y="5535561"/>
+              <a:ext cx="658762" cy="383825"/>
+            </a:xfrm>
+            <a:prstGeom prst="rightArrow">
+              <a:avLst/>
+            </a:prstGeom>
+          </p:spPr>
+          <p:style>
+            <a:lnRef idx="2">
+              <a:schemeClr val="accent1">
+                <a:shade val="15000"/>
+              </a:schemeClr>
+            </a:lnRef>
+            <a:fillRef idx="1">
+              <a:schemeClr val="accent1"/>
+            </a:fillRef>
+            <a:effectRef idx="0">
+              <a:schemeClr val="accent1"/>
+            </a:effectRef>
+            <a:fontRef idx="minor">
+              <a:schemeClr val="lt1"/>
+            </a:fontRef>
+          </p:style>
+          <p:txBody>
+            <a:bodyPr rtlCol="0" anchor="ctr"/>
+            <a:lstStyle/>
+            <a:p>
+              <a:pPr algn="ctr"/>
+              <a:endParaRPr lang="ko-KR" altLang="en-US"/>
+            </a:p>
+          </p:txBody>
+        </p:sp>
+        <p:sp>
+          <p:nvSpPr>
+            <p:cNvPr id="16" name="직사각형 15">
+              <a:extLst>
+                <a:ext uri="{FF2B5EF4-FFF2-40B4-BE49-F238E27FC236}">
+                  <a16:creationId xmlns:a16="http://schemas.microsoft.com/office/drawing/2014/main" id="{BAB6DBF1-766B-3C70-9E12-1756974E2C68}"/>
+                </a:ext>
+              </a:extLst>
+            </p:cNvPr>
+            <p:cNvSpPr/>
+            <p:nvPr/>
+          </p:nvSpPr>
+          <p:spPr>
+            <a:xfrm>
+              <a:off x="4409768" y="6066504"/>
+              <a:ext cx="1489587" cy="215943"/>
+            </a:xfrm>
+            <a:prstGeom prst="rect">
+              <a:avLst/>
+            </a:prstGeom>
+            <a:noFill/>
+            <a:ln w="38100">
+              <a:solidFill>
+                <a:srgbClr val="FF0000"/>
+              </a:solidFill>
+            </a:ln>
+          </p:spPr>
+          <p:style>
+            <a:lnRef idx="2">
+              <a:schemeClr val="accent1">
+                <a:shade val="15000"/>
+              </a:schemeClr>
+            </a:lnRef>
+            <a:fillRef idx="1">
+              <a:schemeClr val="accent1"/>
+            </a:fillRef>
+            <a:effectRef idx="0">
+              <a:schemeClr val="accent1"/>
+            </a:effectRef>
+            <a:fontRef idx="minor">
+              <a:schemeClr val="lt1"/>
+            </a:fontRef>
+          </p:style>
+          <p:txBody>
+            <a:bodyPr rtlCol="0" anchor="ctr"/>
+            <a:lstStyle/>
+            <a:p>
+              <a:pPr algn="ctr"/>
+              <a:endParaRPr lang="ko-KR" altLang="en-US"/>
+            </a:p>
+          </p:txBody>
+        </p:sp>
+      </p:grpSp>
+    </p:spTree>
+    <p:extLst>
+      <p:ext uri="{BB962C8B-B14F-4D97-AF65-F5344CB8AC3E}">
+        <p14:creationId xmlns:p14="http://schemas.microsoft.com/office/powerpoint/2010/main" val="957928956"/>
+      </p:ext>
+    </p:extLst>
+  </p:cSld>
+  <p:clrMapOvr>
+    <a:masterClrMapping/>
+  </p:clrMapOvr>
+</p:sld>
+</file>
+
+<file path=ppt/slides/slide11.xml><?xml version="1.0" encoding="utf-8"?>
+<p:sld xmlns:a="http://schemas.openxmlformats.org/drawingml/2006/main" xmlns:r="http://schemas.openxmlformats.org/officeDocument/2006/relationships" xmlns:p="http://schemas.openxmlformats.org/presentationml/2006/main">
+  <p:cSld>
+    <p:spTree>
+      <p:nvGrpSpPr>
+        <p:cNvPr id="1" name=""/>
+        <p:cNvGrpSpPr/>
+        <p:nvPr/>
+      </p:nvGrpSpPr>
+      <p:grpSpPr>
+        <a:xfrm>
+          <a:off x="0" y="0"/>
+          <a:ext cx="0" cy="0"/>
+          <a:chOff x="0" y="0"/>
+          <a:chExt cx="0" cy="0"/>
+        </a:xfrm>
+      </p:grpSpPr>
+      <p:sp>
+        <p:nvSpPr>
+          <p:cNvPr id="5" name="TextBox 4">
+            <a:extLst>
+              <a:ext uri="{FF2B5EF4-FFF2-40B4-BE49-F238E27FC236}">
+                <a16:creationId xmlns:a16="http://schemas.microsoft.com/office/drawing/2014/main" id="{A389414F-66B7-1262-7F78-D45BD7660CF6}"/>
+              </a:ext>
+            </a:extLst>
+          </p:cNvPr>
+          <p:cNvSpPr txBox="1"/>
+          <p:nvPr/>
+        </p:nvSpPr>
+        <p:spPr>
+          <a:xfrm>
+            <a:off x="285910" y="184373"/>
+            <a:ext cx="3026791" cy="400110"/>
+          </a:xfrm>
+          <a:prstGeom prst="rect">
+            <a:avLst/>
+          </a:prstGeom>
+          <a:solidFill>
+            <a:srgbClr val="1C3166"/>
+          </a:solidFill>
+          <a:ln>
+            <a:solidFill>
+              <a:schemeClr val="tx1"/>
+            </a:solidFill>
+          </a:ln>
+        </p:spPr>
+        <p:txBody>
+          <a:bodyPr wrap="none" rtlCol="0">
+            <a:spAutoFit/>
+          </a:bodyPr>
+          <a:lstStyle/>
+          <a:p>
+            <a:pPr algn="ctr"/>
+            <a:r>
+              <a:rPr lang="ko-KR" altLang="en-US" sz="2000" dirty="0" err="1">
+                <a:solidFill>
+                  <a:schemeClr val="bg1"/>
+                </a:solidFill>
+                <a:latin typeface="에스코어 드림 6 Bold" panose="020B0703030302020204" pitchFamily="34" charset="-127"/>
+                <a:ea typeface="에스코어 드림 6 Bold" panose="020B0703030302020204" pitchFamily="34" charset="-127"/>
+              </a:rPr>
+              <a:t>깃허브</a:t>
+            </a:r>
+            <a:r>
+              <a:rPr lang="en-US" altLang="ko-KR" sz="2000" dirty="0">
+                <a:solidFill>
+                  <a:schemeClr val="bg1"/>
+                </a:solidFill>
+                <a:latin typeface="에스코어 드림 6 Bold" panose="020B0703030302020204" pitchFamily="34" charset="-127"/>
+                <a:ea typeface="에스코어 드림 6 Bold" panose="020B0703030302020204" pitchFamily="34" charset="-127"/>
+              </a:rPr>
+              <a:t>-</a:t>
+            </a:r>
+            <a:r>
+              <a:rPr lang="ko-KR" altLang="en-US" sz="2000" dirty="0" err="1">
+                <a:solidFill>
+                  <a:schemeClr val="bg1"/>
+                </a:solidFill>
+                <a:latin typeface="에스코어 드림 6 Bold" panose="020B0703030302020204" pitchFamily="34" charset="-127"/>
+                <a:ea typeface="에스코어 드림 6 Bold" panose="020B0703030302020204" pitchFamily="34" charset="-127"/>
+              </a:rPr>
+              <a:t>브랜치</a:t>
+            </a:r>
+            <a:r>
+              <a:rPr lang="ko-KR" altLang="en-US" sz="2000" dirty="0">
+                <a:solidFill>
+                  <a:schemeClr val="bg1"/>
+                </a:solidFill>
+                <a:latin typeface="에스코어 드림 6 Bold" panose="020B0703030302020204" pitchFamily="34" charset="-127"/>
+                <a:ea typeface="에스코어 드림 6 Bold" panose="020B0703030302020204" pitchFamily="34" charset="-127"/>
+              </a:rPr>
+              <a:t> </a:t>
+            </a:r>
+            <a:r>
+              <a:rPr lang="en-US" altLang="ko-KR" sz="2000" dirty="0">
+                <a:solidFill>
+                  <a:schemeClr val="bg1"/>
+                </a:solidFill>
+                <a:latin typeface="에스코어 드림 6 Bold" panose="020B0703030302020204" pitchFamily="34" charset="-127"/>
+                <a:ea typeface="에스코어 드림 6 Bold" panose="020B0703030302020204" pitchFamily="34" charset="-127"/>
+              </a:rPr>
+              <a:t>push </a:t>
+            </a:r>
+            <a:r>
+              <a:rPr lang="ko-KR" altLang="en-US" sz="2000" dirty="0">
+                <a:solidFill>
+                  <a:schemeClr val="bg1"/>
+                </a:solidFill>
+                <a:latin typeface="에스코어 드림 6 Bold" panose="020B0703030302020204" pitchFamily="34" charset="-127"/>
+                <a:ea typeface="에스코어 드림 6 Bold" panose="020B0703030302020204" pitchFamily="34" charset="-127"/>
+              </a:rPr>
+              <a:t>막기</a:t>
+            </a:r>
+          </a:p>
+        </p:txBody>
+      </p:sp>
+      <p:sp>
+        <p:nvSpPr>
+          <p:cNvPr id="2" name="TextBox 1">
+            <a:extLst>
+              <a:ext uri="{FF2B5EF4-FFF2-40B4-BE49-F238E27FC236}">
+                <a16:creationId xmlns:a16="http://schemas.microsoft.com/office/drawing/2014/main" id="{D6FF3B9F-4BE9-FD1A-FC12-925685C2A976}"/>
+              </a:ext>
+            </a:extLst>
+          </p:cNvPr>
+          <p:cNvSpPr txBox="1"/>
+          <p:nvPr/>
+        </p:nvSpPr>
+        <p:spPr>
+          <a:xfrm>
+            <a:off x="285910" y="757083"/>
+            <a:ext cx="6937477" cy="1200329"/>
+          </a:xfrm>
+          <a:prstGeom prst="rect">
+            <a:avLst/>
+          </a:prstGeom>
+          <a:noFill/>
+          <a:ln>
+            <a:solidFill>
+              <a:schemeClr val="tx1"/>
+            </a:solidFill>
+          </a:ln>
+        </p:spPr>
+        <p:txBody>
+          <a:bodyPr wrap="none" rtlCol="0">
+            <a:spAutoFit/>
+          </a:bodyPr>
+          <a:lstStyle/>
+          <a:p>
+            <a:r>
+              <a:rPr lang="en-US" altLang="ko-KR" dirty="0"/>
+              <a:t>&lt;</a:t>
+            </a:r>
+            <a:r>
+              <a:rPr lang="ko-KR" altLang="en-US" dirty="0"/>
+              <a:t>진행</a:t>
+            </a:r>
+            <a:r>
+              <a:rPr lang="en-US" altLang="ko-KR" dirty="0"/>
+              <a:t>&gt;</a:t>
+            </a:r>
+          </a:p>
+          <a:p>
+            <a:pPr marL="342900" indent="-342900">
+              <a:buAutoNum type="arabicPeriod"/>
+            </a:pPr>
+            <a:r>
+              <a:rPr lang="en-US" altLang="ko-KR" dirty="0"/>
+              <a:t>Branch name pattern</a:t>
+            </a:r>
+            <a:r>
+              <a:rPr lang="ko-KR" altLang="en-US" dirty="0"/>
+              <a:t>에 </a:t>
+            </a:r>
+            <a:r>
+              <a:rPr lang="ko-KR" altLang="en-US" dirty="0" err="1"/>
+              <a:t>브랜치명</a:t>
+            </a:r>
+            <a:r>
+              <a:rPr lang="ko-KR" altLang="en-US" dirty="0"/>
+              <a:t> 입력</a:t>
+            </a:r>
+            <a:endParaRPr lang="en-US" altLang="ko-KR" dirty="0"/>
+          </a:p>
+          <a:p>
+            <a:pPr marL="342900" indent="-342900">
+              <a:buAutoNum type="arabicPeriod"/>
+            </a:pPr>
+            <a:r>
+              <a:rPr lang="en-US" altLang="ko-KR" dirty="0"/>
+              <a:t>Require a pull request before merging </a:t>
+            </a:r>
+            <a:r>
+              <a:rPr lang="ko-KR" altLang="en-US" dirty="0"/>
+              <a:t>체크하고 </a:t>
+            </a:r>
+            <a:r>
+              <a:rPr lang="en-US" altLang="ko-KR" dirty="0"/>
+              <a:t>Create </a:t>
+            </a:r>
+            <a:r>
+              <a:rPr lang="ko-KR" altLang="en-US" dirty="0"/>
+              <a:t>클릭</a:t>
+            </a:r>
+            <a:endParaRPr lang="en-US" altLang="ko-KR" dirty="0"/>
+          </a:p>
+          <a:p>
+            <a:pPr marL="342900" indent="-342900">
+              <a:buAutoNum type="arabicPeriod"/>
+            </a:pPr>
+            <a:r>
+              <a:rPr lang="ko-KR" altLang="en-US" dirty="0"/>
+              <a:t>추가된 모습 </a:t>
+            </a:r>
+            <a:endParaRPr lang="en-US" altLang="ko-KR" dirty="0"/>
+          </a:p>
+        </p:txBody>
+      </p:sp>
+      <p:grpSp>
+        <p:nvGrpSpPr>
+          <p:cNvPr id="29" name="그룹 28">
+            <a:extLst>
+              <a:ext uri="{FF2B5EF4-FFF2-40B4-BE49-F238E27FC236}">
+                <a16:creationId xmlns:a16="http://schemas.microsoft.com/office/drawing/2014/main" id="{EE7623DD-E3CB-D0D0-B8CB-DB3B129BED0F}"/>
+              </a:ext>
+            </a:extLst>
+          </p:cNvPr>
+          <p:cNvGrpSpPr/>
+          <p:nvPr/>
+        </p:nvGrpSpPr>
+        <p:grpSpPr>
+          <a:xfrm>
+            <a:off x="285910" y="2421299"/>
+            <a:ext cx="11756419" cy="4252328"/>
+            <a:chOff x="285910" y="2190829"/>
+            <a:chExt cx="11756419" cy="4252328"/>
+          </a:xfrm>
+        </p:grpSpPr>
+        <p:grpSp>
+          <p:nvGrpSpPr>
+            <p:cNvPr id="26" name="그룹 25">
+              <a:extLst>
+                <a:ext uri="{FF2B5EF4-FFF2-40B4-BE49-F238E27FC236}">
+                  <a16:creationId xmlns:a16="http://schemas.microsoft.com/office/drawing/2014/main" id="{A8808B9C-A72D-A4C8-A348-40909E87E72C}"/>
+                </a:ext>
+              </a:extLst>
+            </p:cNvPr>
+            <p:cNvGrpSpPr/>
+            <p:nvPr/>
+          </p:nvGrpSpPr>
+          <p:grpSpPr>
+            <a:xfrm>
+              <a:off x="285910" y="2190829"/>
+              <a:ext cx="5166077" cy="4252328"/>
+              <a:chOff x="285910" y="2190829"/>
+              <a:chExt cx="5166077" cy="4252328"/>
+            </a:xfrm>
+          </p:grpSpPr>
+          <p:grpSp>
+            <p:nvGrpSpPr>
+              <p:cNvPr id="22" name="그룹 21">
+                <a:extLst>
+                  <a:ext uri="{FF2B5EF4-FFF2-40B4-BE49-F238E27FC236}">
+                    <a16:creationId xmlns:a16="http://schemas.microsoft.com/office/drawing/2014/main" id="{19C53152-F1AA-38E2-5EAB-4EE97118DA18}"/>
+                  </a:ext>
+                </a:extLst>
+              </p:cNvPr>
+              <p:cNvGrpSpPr/>
+              <p:nvPr/>
+            </p:nvGrpSpPr>
+            <p:grpSpPr>
+              <a:xfrm>
+                <a:off x="285910" y="2190829"/>
+                <a:ext cx="5166077" cy="3833192"/>
+                <a:chOff x="285910" y="2633281"/>
+                <a:chExt cx="5166077" cy="3833192"/>
+              </a:xfrm>
+            </p:grpSpPr>
+            <p:sp>
+              <p:nvSpPr>
+                <p:cNvPr id="8" name="화살표: 아래쪽 7">
+                  <a:extLst>
+                    <a:ext uri="{FF2B5EF4-FFF2-40B4-BE49-F238E27FC236}">
+                      <a16:creationId xmlns:a16="http://schemas.microsoft.com/office/drawing/2014/main" id="{475F393C-A230-6CEF-8675-C6C5EDE848A7}"/>
+                    </a:ext>
+                  </a:extLst>
+                </p:cNvPr>
+                <p:cNvSpPr/>
+                <p:nvPr/>
+              </p:nvSpPr>
+              <p:spPr>
+                <a:xfrm rot="16200000">
+                  <a:off x="4955458" y="3982064"/>
+                  <a:ext cx="432619" cy="560439"/>
+                </a:xfrm>
+                <a:prstGeom prst="downArrow">
+                  <a:avLst/>
+                </a:prstGeom>
+              </p:spPr>
+              <p:style>
+                <a:lnRef idx="2">
+                  <a:schemeClr val="accent1">
+                    <a:shade val="15000"/>
+                  </a:schemeClr>
+                </a:lnRef>
+                <a:fillRef idx="1">
+                  <a:schemeClr val="accent1"/>
+                </a:fillRef>
+                <a:effectRef idx="0">
+                  <a:schemeClr val="accent1"/>
+                </a:effectRef>
+                <a:fontRef idx="minor">
+                  <a:schemeClr val="lt1"/>
+                </a:fontRef>
+              </p:style>
+              <p:txBody>
+                <a:bodyPr rtlCol="0" anchor="ctr"/>
+                <a:lstStyle/>
+                <a:p>
+                  <a:pPr algn="ctr"/>
+                  <a:endParaRPr lang="ko-KR" altLang="en-US"/>
+                </a:p>
+              </p:txBody>
+            </p:sp>
+            <p:pic>
+              <p:nvPicPr>
+                <p:cNvPr id="9" name="그림 8">
+                  <a:extLst>
+                    <a:ext uri="{FF2B5EF4-FFF2-40B4-BE49-F238E27FC236}">
+                      <a16:creationId xmlns:a16="http://schemas.microsoft.com/office/drawing/2014/main" id="{C09FCDFE-4A81-0BB6-3E34-875ED7820397}"/>
+                    </a:ext>
+                  </a:extLst>
+                </p:cNvPr>
+                <p:cNvPicPr>
+                  <a:picLocks noChangeAspect="1"/>
+                </p:cNvPicPr>
+                <p:nvPr/>
+              </p:nvPicPr>
+              <p:blipFill>
+                <a:blip r:embed="rId2"/>
+                <a:stretch>
+                  <a:fillRect/>
+                </a:stretch>
+              </p:blipFill>
+              <p:spPr>
+                <a:xfrm>
+                  <a:off x="285910" y="2633281"/>
+                  <a:ext cx="4366638" cy="3833192"/>
+                </a:xfrm>
+                <a:prstGeom prst="rect">
+                  <a:avLst/>
+                </a:prstGeom>
+              </p:spPr>
+            </p:pic>
+            <p:sp>
+              <p:nvSpPr>
+                <p:cNvPr id="13" name="직사각형 12">
+                  <a:extLst>
+                    <a:ext uri="{FF2B5EF4-FFF2-40B4-BE49-F238E27FC236}">
+                      <a16:creationId xmlns:a16="http://schemas.microsoft.com/office/drawing/2014/main" id="{83DD0814-0E24-6F8E-262E-B514D8E77656}"/>
+                    </a:ext>
+                  </a:extLst>
+                </p:cNvPr>
+                <p:cNvSpPr/>
+                <p:nvPr/>
+              </p:nvSpPr>
+              <p:spPr>
+                <a:xfrm>
+                  <a:off x="417871" y="4798508"/>
+                  <a:ext cx="2571135" cy="353595"/>
+                </a:xfrm>
+                <a:prstGeom prst="rect">
+                  <a:avLst/>
+                </a:prstGeom>
+                <a:noFill/>
+                <a:ln w="38100">
+                  <a:solidFill>
+                    <a:srgbClr val="FF0000"/>
+                  </a:solidFill>
+                </a:ln>
+              </p:spPr>
+              <p:style>
+                <a:lnRef idx="2">
+                  <a:schemeClr val="accent1">
+                    <a:shade val="15000"/>
+                  </a:schemeClr>
+                </a:lnRef>
+                <a:fillRef idx="1">
+                  <a:schemeClr val="accent1"/>
+                </a:fillRef>
+                <a:effectRef idx="0">
+                  <a:schemeClr val="accent1"/>
+                </a:effectRef>
+                <a:fontRef idx="minor">
+                  <a:schemeClr val="lt1"/>
+                </a:fontRef>
+              </p:style>
+              <p:txBody>
+                <a:bodyPr rtlCol="0" anchor="ctr"/>
+                <a:lstStyle/>
+                <a:p>
+                  <a:pPr algn="ctr"/>
+                  <a:endParaRPr lang="ko-KR" altLang="en-US"/>
+                </a:p>
+              </p:txBody>
+            </p:sp>
+            <p:sp>
+              <p:nvSpPr>
+                <p:cNvPr id="21" name="직사각형 20">
+                  <a:extLst>
+                    <a:ext uri="{FF2B5EF4-FFF2-40B4-BE49-F238E27FC236}">
+                      <a16:creationId xmlns:a16="http://schemas.microsoft.com/office/drawing/2014/main" id="{5470E380-B043-4DED-30D3-5451A8AE4E49}"/>
+                    </a:ext>
+                  </a:extLst>
+                </p:cNvPr>
+                <p:cNvSpPr/>
+                <p:nvPr/>
+              </p:nvSpPr>
+              <p:spPr>
+                <a:xfrm>
+                  <a:off x="417871" y="5840728"/>
+                  <a:ext cx="2571135" cy="353595"/>
+                </a:xfrm>
+                <a:prstGeom prst="rect">
+                  <a:avLst/>
+                </a:prstGeom>
+                <a:noFill/>
+                <a:ln w="38100">
+                  <a:solidFill>
+                    <a:srgbClr val="FF0000"/>
+                  </a:solidFill>
+                </a:ln>
+              </p:spPr>
+              <p:style>
+                <a:lnRef idx="2">
+                  <a:schemeClr val="accent1">
+                    <a:shade val="15000"/>
+                  </a:schemeClr>
+                </a:lnRef>
+                <a:fillRef idx="1">
+                  <a:schemeClr val="accent1"/>
+                </a:fillRef>
+                <a:effectRef idx="0">
+                  <a:schemeClr val="accent1"/>
+                </a:effectRef>
+                <a:fontRef idx="minor">
+                  <a:schemeClr val="lt1"/>
+                </a:fontRef>
+              </p:style>
+              <p:txBody>
+                <a:bodyPr rtlCol="0" anchor="ctr"/>
+                <a:lstStyle/>
+                <a:p>
+                  <a:pPr algn="ctr"/>
+                  <a:endParaRPr lang="ko-KR" altLang="en-US"/>
+                </a:p>
+              </p:txBody>
+            </p:sp>
+          </p:grpSp>
+          <p:pic>
+            <p:nvPicPr>
+              <p:cNvPr id="24" name="그림 23">
+                <a:extLst>
+                  <a:ext uri="{FF2B5EF4-FFF2-40B4-BE49-F238E27FC236}">
+                    <a16:creationId xmlns:a16="http://schemas.microsoft.com/office/drawing/2014/main" id="{F5957401-AD30-8A9C-DFC4-8DBECC0538B3}"/>
+                  </a:ext>
+                </a:extLst>
+              </p:cNvPr>
+              <p:cNvPicPr>
+                <a:picLocks noChangeAspect="1"/>
+              </p:cNvPicPr>
+              <p:nvPr/>
+            </p:nvPicPr>
+            <p:blipFill>
+              <a:blip r:embed="rId3"/>
+              <a:stretch>
+                <a:fillRect/>
+              </a:stretch>
+            </p:blipFill>
+            <p:spPr>
+              <a:xfrm>
+                <a:off x="3852379" y="6024021"/>
+                <a:ext cx="800169" cy="419136"/>
+              </a:xfrm>
+              <a:prstGeom prst="rect">
+                <a:avLst/>
+              </a:prstGeom>
+            </p:spPr>
+          </p:pic>
+          <p:sp>
+            <p:nvSpPr>
+              <p:cNvPr id="25" name="직사각형 24">
+                <a:extLst>
+                  <a:ext uri="{FF2B5EF4-FFF2-40B4-BE49-F238E27FC236}">
+                    <a16:creationId xmlns:a16="http://schemas.microsoft.com/office/drawing/2014/main" id="{CCD992F4-2649-43CA-F6D2-60D34CB5D46C}"/>
+                  </a:ext>
+                </a:extLst>
+              </p:cNvPr>
+              <p:cNvSpPr/>
+              <p:nvPr/>
+            </p:nvSpPr>
+            <p:spPr>
+              <a:xfrm>
+                <a:off x="3852379" y="6089562"/>
+                <a:ext cx="719621" cy="353595"/>
+              </a:xfrm>
+              <a:prstGeom prst="rect">
+                <a:avLst/>
+              </a:prstGeom>
+              <a:noFill/>
+              <a:ln w="38100">
+                <a:solidFill>
+                  <a:srgbClr val="FF0000"/>
+                </a:solidFill>
+              </a:ln>
+            </p:spPr>
+            <p:style>
+              <a:lnRef idx="2">
+                <a:schemeClr val="accent1">
+                  <a:shade val="15000"/>
+                </a:schemeClr>
+              </a:lnRef>
+              <a:fillRef idx="1">
+                <a:schemeClr val="accent1"/>
+              </a:fillRef>
+              <a:effectRef idx="0">
+                <a:schemeClr val="accent1"/>
+              </a:effectRef>
+              <a:fontRef idx="minor">
+                <a:schemeClr val="lt1"/>
+              </a:fontRef>
+            </p:style>
+            <p:txBody>
+              <a:bodyPr rtlCol="0" anchor="ctr"/>
+              <a:lstStyle/>
+              <a:p>
+                <a:pPr algn="ctr"/>
+                <a:endParaRPr lang="ko-KR" altLang="en-US"/>
+              </a:p>
+            </p:txBody>
+          </p:sp>
+        </p:grpSp>
+        <p:pic>
+          <p:nvPicPr>
+            <p:cNvPr id="28" name="그림 27">
+              <a:extLst>
+                <a:ext uri="{FF2B5EF4-FFF2-40B4-BE49-F238E27FC236}">
+                  <a16:creationId xmlns:a16="http://schemas.microsoft.com/office/drawing/2014/main" id="{91429F65-5D6B-1BFB-ADB8-E481F88B5AEE}"/>
+                </a:ext>
+              </a:extLst>
+            </p:cNvPr>
+            <p:cNvPicPr>
+              <a:picLocks noChangeAspect="1"/>
+            </p:cNvPicPr>
+            <p:nvPr/>
+          </p:nvPicPr>
+          <p:blipFill>
+            <a:blip r:embed="rId4"/>
+            <a:stretch>
+              <a:fillRect/>
+            </a:stretch>
+          </p:blipFill>
+          <p:spPr>
+            <a:xfrm>
+              <a:off x="5793387" y="3256117"/>
+              <a:ext cx="6248942" cy="990686"/>
+            </a:xfrm>
+            <a:prstGeom prst="rect">
+              <a:avLst/>
+            </a:prstGeom>
+          </p:spPr>
+        </p:pic>
+      </p:grpSp>
+      <p:sp>
+        <p:nvSpPr>
+          <p:cNvPr id="30" name="직사각형 29">
+            <a:extLst>
+              <a:ext uri="{FF2B5EF4-FFF2-40B4-BE49-F238E27FC236}">
+                <a16:creationId xmlns:a16="http://schemas.microsoft.com/office/drawing/2014/main" id="{AEA28543-52D4-4C1D-A63B-AB0BAE25E951}"/>
+              </a:ext>
+            </a:extLst>
+          </p:cNvPr>
+          <p:cNvSpPr/>
+          <p:nvPr/>
+        </p:nvSpPr>
+        <p:spPr>
+          <a:xfrm>
+            <a:off x="5690987" y="4074660"/>
+            <a:ext cx="901839" cy="310527"/>
+          </a:xfrm>
+          <a:prstGeom prst="rect">
+            <a:avLst/>
+          </a:prstGeom>
+          <a:noFill/>
+          <a:ln w="38100">
+            <a:solidFill>
+              <a:srgbClr val="FF0000"/>
+            </a:solidFill>
+          </a:ln>
+        </p:spPr>
+        <p:style>
+          <a:lnRef idx="2">
+            <a:schemeClr val="accent1">
+              <a:shade val="15000"/>
+            </a:schemeClr>
+          </a:lnRef>
+          <a:fillRef idx="1">
+            <a:schemeClr val="accent1"/>
+          </a:fillRef>
+          <a:effectRef idx="0">
+            <a:schemeClr val="accent1"/>
+          </a:effectRef>
+          <a:fontRef idx="minor">
+            <a:schemeClr val="lt1"/>
+          </a:fontRef>
+        </p:style>
+        <p:txBody>
+          <a:bodyPr rtlCol="0" anchor="ctr"/>
+          <a:lstStyle/>
+          <a:p>
+            <a:pPr algn="ctr"/>
+            <a:endParaRPr lang="ko-KR" altLang="en-US"/>
+          </a:p>
+        </p:txBody>
+      </p:sp>
+    </p:spTree>
+    <p:extLst>
+      <p:ext uri="{BB962C8B-B14F-4D97-AF65-F5344CB8AC3E}">
+        <p14:creationId xmlns:p14="http://schemas.microsoft.com/office/powerpoint/2010/main" val="2612871496"/>
+      </p:ext>
+    </p:extLst>
+  </p:cSld>
+  <p:clrMapOvr>
+    <a:masterClrMapping/>
+  </p:clrMapOvr>
+</p:sld>
+</file>
+
+<file path=ppt/slides/slide12.xml><?xml version="1.0" encoding="utf-8"?>
+<p:sld xmlns:a="http://schemas.openxmlformats.org/drawingml/2006/main" xmlns:r="http://schemas.openxmlformats.org/officeDocument/2006/relationships" xmlns:p="http://schemas.openxmlformats.org/presentationml/2006/main">
+  <p:cSld>
+    <p:spTree>
+      <p:nvGrpSpPr>
+        <p:cNvPr id="1" name=""/>
+        <p:cNvGrpSpPr/>
+        <p:nvPr/>
+      </p:nvGrpSpPr>
+      <p:grpSpPr>
+        <a:xfrm>
+          <a:off x="0" y="0"/>
+          <a:ext cx="0" cy="0"/>
+          <a:chOff x="0" y="0"/>
+          <a:chExt cx="0" cy="0"/>
+        </a:xfrm>
+      </p:grpSpPr>
+      <p:sp>
+        <p:nvSpPr>
+          <p:cNvPr id="5" name="TextBox 4">
+            <a:extLst>
+              <a:ext uri="{FF2B5EF4-FFF2-40B4-BE49-F238E27FC236}">
+                <a16:creationId xmlns:a16="http://schemas.microsoft.com/office/drawing/2014/main" id="{A389414F-66B7-1262-7F78-D45BD7660CF6}"/>
+              </a:ext>
+            </a:extLst>
+          </p:cNvPr>
+          <p:cNvSpPr txBox="1"/>
+          <p:nvPr/>
+        </p:nvSpPr>
+        <p:spPr>
+          <a:xfrm>
+            <a:off x="285910" y="184373"/>
+            <a:ext cx="3026791" cy="400110"/>
+          </a:xfrm>
+          <a:prstGeom prst="rect">
+            <a:avLst/>
+          </a:prstGeom>
+          <a:solidFill>
+            <a:srgbClr val="1C3166"/>
+          </a:solidFill>
+          <a:ln>
+            <a:solidFill>
+              <a:schemeClr val="tx1"/>
+            </a:solidFill>
+          </a:ln>
+        </p:spPr>
+        <p:txBody>
+          <a:bodyPr wrap="none" rtlCol="0">
+            <a:spAutoFit/>
+          </a:bodyPr>
+          <a:lstStyle/>
+          <a:p>
+            <a:pPr algn="ctr"/>
+            <a:r>
+              <a:rPr lang="ko-KR" altLang="en-US" sz="2000" dirty="0" err="1">
+                <a:solidFill>
+                  <a:schemeClr val="bg1"/>
+                </a:solidFill>
+                <a:latin typeface="에스코어 드림 6 Bold" panose="020B0703030302020204" pitchFamily="34" charset="-127"/>
+                <a:ea typeface="에스코어 드림 6 Bold" panose="020B0703030302020204" pitchFamily="34" charset="-127"/>
+              </a:rPr>
+              <a:t>깃허브</a:t>
+            </a:r>
+            <a:r>
+              <a:rPr lang="en-US" altLang="ko-KR" sz="2000" dirty="0">
+                <a:solidFill>
+                  <a:schemeClr val="bg1"/>
+                </a:solidFill>
+                <a:latin typeface="에스코어 드림 6 Bold" panose="020B0703030302020204" pitchFamily="34" charset="-127"/>
+                <a:ea typeface="에스코어 드림 6 Bold" panose="020B0703030302020204" pitchFamily="34" charset="-127"/>
+              </a:rPr>
+              <a:t>-</a:t>
+            </a:r>
+            <a:r>
+              <a:rPr lang="ko-KR" altLang="en-US" sz="2000" dirty="0" err="1">
+                <a:solidFill>
+                  <a:schemeClr val="bg1"/>
+                </a:solidFill>
+                <a:latin typeface="에스코어 드림 6 Bold" panose="020B0703030302020204" pitchFamily="34" charset="-127"/>
+                <a:ea typeface="에스코어 드림 6 Bold" panose="020B0703030302020204" pitchFamily="34" charset="-127"/>
+              </a:rPr>
+              <a:t>브랜치</a:t>
+            </a:r>
+            <a:r>
+              <a:rPr lang="ko-KR" altLang="en-US" sz="2000" dirty="0">
+                <a:solidFill>
+                  <a:schemeClr val="bg1"/>
+                </a:solidFill>
+                <a:latin typeface="에스코어 드림 6 Bold" panose="020B0703030302020204" pitchFamily="34" charset="-127"/>
+                <a:ea typeface="에스코어 드림 6 Bold" panose="020B0703030302020204" pitchFamily="34" charset="-127"/>
+              </a:rPr>
+              <a:t> </a:t>
+            </a:r>
+            <a:r>
+              <a:rPr lang="en-US" altLang="ko-KR" sz="2000" dirty="0">
+                <a:solidFill>
+                  <a:schemeClr val="bg1"/>
+                </a:solidFill>
+                <a:latin typeface="에스코어 드림 6 Bold" panose="020B0703030302020204" pitchFamily="34" charset="-127"/>
+                <a:ea typeface="에스코어 드림 6 Bold" panose="020B0703030302020204" pitchFamily="34" charset="-127"/>
+              </a:rPr>
+              <a:t>push </a:t>
+            </a:r>
+            <a:r>
+              <a:rPr lang="ko-KR" altLang="en-US" sz="2000" dirty="0">
+                <a:solidFill>
+                  <a:schemeClr val="bg1"/>
+                </a:solidFill>
+                <a:latin typeface="에스코어 드림 6 Bold" panose="020B0703030302020204" pitchFamily="34" charset="-127"/>
+                <a:ea typeface="에스코어 드림 6 Bold" panose="020B0703030302020204" pitchFamily="34" charset="-127"/>
+              </a:rPr>
+              <a:t>막기</a:t>
+            </a:r>
+          </a:p>
+        </p:txBody>
+      </p:sp>
+      <p:sp>
+        <p:nvSpPr>
+          <p:cNvPr id="2" name="TextBox 1">
+            <a:extLst>
+              <a:ext uri="{FF2B5EF4-FFF2-40B4-BE49-F238E27FC236}">
+                <a16:creationId xmlns:a16="http://schemas.microsoft.com/office/drawing/2014/main" id="{D6FF3B9F-4BE9-FD1A-FC12-925685C2A976}"/>
+              </a:ext>
+            </a:extLst>
+          </p:cNvPr>
+          <p:cNvSpPr txBox="1"/>
+          <p:nvPr/>
+        </p:nvSpPr>
+        <p:spPr>
+          <a:xfrm>
+            <a:off x="285910" y="757083"/>
+            <a:ext cx="4661276" cy="923330"/>
+          </a:xfrm>
+          <a:prstGeom prst="rect">
+            <a:avLst/>
+          </a:prstGeom>
+          <a:noFill/>
+          <a:ln>
+            <a:solidFill>
+              <a:schemeClr val="tx1"/>
+            </a:solidFill>
+          </a:ln>
+        </p:spPr>
+        <p:txBody>
+          <a:bodyPr wrap="none" rtlCol="0">
+            <a:spAutoFit/>
+          </a:bodyPr>
+          <a:lstStyle/>
+          <a:p>
+            <a:r>
+              <a:rPr lang="en-US" altLang="ko-KR" dirty="0"/>
+              <a:t>&lt;</a:t>
+            </a:r>
+            <a:r>
+              <a:rPr lang="ko-KR" altLang="en-US" dirty="0"/>
+              <a:t>진행</a:t>
+            </a:r>
+            <a:r>
+              <a:rPr lang="en-US" altLang="ko-KR" dirty="0"/>
+              <a:t>&gt;</a:t>
+            </a:r>
+          </a:p>
+          <a:p>
+            <a:pPr marL="342900" indent="-342900">
+              <a:buAutoNum type="arabicPeriod"/>
+            </a:pPr>
+            <a:r>
+              <a:rPr lang="en-US" altLang="ko-KR" dirty="0"/>
+              <a:t>Rules &gt; Rulesets </a:t>
+            </a:r>
+            <a:r>
+              <a:rPr lang="ko-KR" altLang="en-US" dirty="0"/>
+              <a:t>클릭</a:t>
+            </a:r>
+            <a:endParaRPr lang="en-US" altLang="ko-KR" dirty="0"/>
+          </a:p>
+          <a:p>
+            <a:pPr marL="342900" indent="-342900">
+              <a:buAutoNum type="arabicPeriod"/>
+            </a:pPr>
+            <a:r>
+              <a:rPr lang="en-US" altLang="ko-KR" dirty="0"/>
+              <a:t>New ruleset &gt; New branch </a:t>
+            </a:r>
+            <a:r>
+              <a:rPr lang="en-US" altLang="ko-KR" dirty="0" err="1"/>
+              <a:t>rulset</a:t>
+            </a:r>
+            <a:r>
+              <a:rPr lang="en-US" altLang="ko-KR" dirty="0"/>
+              <a:t> </a:t>
+            </a:r>
+            <a:r>
+              <a:rPr lang="ko-KR" altLang="en-US" dirty="0"/>
+              <a:t>클릭</a:t>
+            </a:r>
+            <a:endParaRPr lang="en-US" altLang="ko-KR" dirty="0"/>
+          </a:p>
+        </p:txBody>
+      </p:sp>
+      <p:grpSp>
+        <p:nvGrpSpPr>
+          <p:cNvPr id="11" name="그룹 10">
+            <a:extLst>
+              <a:ext uri="{FF2B5EF4-FFF2-40B4-BE49-F238E27FC236}">
+                <a16:creationId xmlns:a16="http://schemas.microsoft.com/office/drawing/2014/main" id="{F794758C-B84D-0C18-68B0-2ACA740AED6D}"/>
+              </a:ext>
+            </a:extLst>
+          </p:cNvPr>
+          <p:cNvGrpSpPr/>
+          <p:nvPr/>
+        </p:nvGrpSpPr>
+        <p:grpSpPr>
+          <a:xfrm>
+            <a:off x="285910" y="2013289"/>
+            <a:ext cx="4709568" cy="2575783"/>
+            <a:chOff x="506403" y="3026011"/>
+            <a:chExt cx="4709568" cy="2575783"/>
+          </a:xfrm>
+        </p:grpSpPr>
+        <p:pic>
+          <p:nvPicPr>
+            <p:cNvPr id="4" name="그림 3">
+              <a:extLst>
+                <a:ext uri="{FF2B5EF4-FFF2-40B4-BE49-F238E27FC236}">
+                  <a16:creationId xmlns:a16="http://schemas.microsoft.com/office/drawing/2014/main" id="{D902EF04-9122-3F68-EC92-C675E5C28BD2}"/>
+                </a:ext>
+              </a:extLst>
+            </p:cNvPr>
+            <p:cNvPicPr>
+              <a:picLocks noChangeAspect="1"/>
+            </p:cNvPicPr>
+            <p:nvPr/>
+          </p:nvPicPr>
+          <p:blipFill>
+            <a:blip r:embed="rId2"/>
+            <a:stretch>
+              <a:fillRect/>
+            </a:stretch>
+          </p:blipFill>
+          <p:spPr>
+            <a:xfrm>
+              <a:off x="506403" y="3026011"/>
+              <a:ext cx="4709568" cy="2575783"/>
+            </a:xfrm>
+            <a:prstGeom prst="rect">
+              <a:avLst/>
+            </a:prstGeom>
+          </p:spPr>
+        </p:pic>
+        <p:sp>
+          <p:nvSpPr>
+            <p:cNvPr id="6" name="직사각형 5">
+              <a:extLst>
+                <a:ext uri="{FF2B5EF4-FFF2-40B4-BE49-F238E27FC236}">
+                  <a16:creationId xmlns:a16="http://schemas.microsoft.com/office/drawing/2014/main" id="{4EF4F7FA-F12E-9B3A-EAF3-2E8BD93BD140}"/>
+                </a:ext>
+              </a:extLst>
+            </p:cNvPr>
+            <p:cNvSpPr/>
+            <p:nvPr/>
+          </p:nvSpPr>
+          <p:spPr>
+            <a:xfrm>
+              <a:off x="663678" y="5323945"/>
+              <a:ext cx="762000" cy="277849"/>
+            </a:xfrm>
+            <a:prstGeom prst="rect">
+              <a:avLst/>
+            </a:prstGeom>
+            <a:noFill/>
+            <a:ln w="38100">
+              <a:solidFill>
+                <a:srgbClr val="FF0000"/>
+              </a:solidFill>
+            </a:ln>
+          </p:spPr>
+          <p:style>
+            <a:lnRef idx="2">
+              <a:schemeClr val="accent1">
+                <a:shade val="15000"/>
+              </a:schemeClr>
+            </a:lnRef>
+            <a:fillRef idx="1">
+              <a:schemeClr val="accent1"/>
+            </a:fillRef>
+            <a:effectRef idx="0">
+              <a:schemeClr val="accent1"/>
+            </a:effectRef>
+            <a:fontRef idx="minor">
+              <a:schemeClr val="lt1"/>
+            </a:fontRef>
+          </p:style>
+          <p:txBody>
+            <a:bodyPr rtlCol="0" anchor="ctr"/>
+            <a:lstStyle/>
+            <a:p>
+              <a:pPr algn="ctr"/>
+              <a:endParaRPr lang="ko-KR" altLang="en-US"/>
+            </a:p>
+          </p:txBody>
+        </p:sp>
+        <p:sp>
+          <p:nvSpPr>
+            <p:cNvPr id="7" name="직사각형 6">
+              <a:extLst>
+                <a:ext uri="{FF2B5EF4-FFF2-40B4-BE49-F238E27FC236}">
+                  <a16:creationId xmlns:a16="http://schemas.microsoft.com/office/drawing/2014/main" id="{868579E8-9A13-792E-49C6-088F7FFDCAD9}"/>
+                </a:ext>
+              </a:extLst>
+            </p:cNvPr>
+            <p:cNvSpPr/>
+            <p:nvPr/>
+          </p:nvSpPr>
+          <p:spPr>
+            <a:xfrm>
+              <a:off x="3373648" y="4174977"/>
+              <a:ext cx="952546" cy="416688"/>
+            </a:xfrm>
+            <a:prstGeom prst="rect">
+              <a:avLst/>
+            </a:prstGeom>
+            <a:noFill/>
+            <a:ln w="38100">
+              <a:solidFill>
+                <a:srgbClr val="FF0000"/>
+              </a:solidFill>
+            </a:ln>
+          </p:spPr>
+          <p:style>
+            <a:lnRef idx="2">
+              <a:schemeClr val="accent1">
+                <a:shade val="15000"/>
+              </a:schemeClr>
+            </a:lnRef>
+            <a:fillRef idx="1">
+              <a:schemeClr val="accent1"/>
+            </a:fillRef>
+            <a:effectRef idx="0">
+              <a:schemeClr val="accent1"/>
+            </a:effectRef>
+            <a:fontRef idx="minor">
+              <a:schemeClr val="lt1"/>
+            </a:fontRef>
+          </p:style>
+          <p:txBody>
+            <a:bodyPr rtlCol="0" anchor="ctr"/>
+            <a:lstStyle/>
+            <a:p>
+              <a:pPr algn="ctr"/>
+              <a:endParaRPr lang="ko-KR" altLang="en-US"/>
+            </a:p>
+          </p:txBody>
+        </p:sp>
+        <p:sp>
+          <p:nvSpPr>
+            <p:cNvPr id="10" name="직사각형 9">
+              <a:extLst>
+                <a:ext uri="{FF2B5EF4-FFF2-40B4-BE49-F238E27FC236}">
+                  <a16:creationId xmlns:a16="http://schemas.microsoft.com/office/drawing/2014/main" id="{6E23F73A-A566-B958-D323-EAE599E627C0}"/>
+                </a:ext>
+              </a:extLst>
+            </p:cNvPr>
+            <p:cNvSpPr/>
+            <p:nvPr/>
+          </p:nvSpPr>
+          <p:spPr>
+            <a:xfrm>
+              <a:off x="3373648" y="4591665"/>
+              <a:ext cx="1208184" cy="255638"/>
+            </a:xfrm>
+            <a:prstGeom prst="rect">
+              <a:avLst/>
+            </a:prstGeom>
+            <a:noFill/>
+            <a:ln w="38100">
+              <a:solidFill>
+                <a:srgbClr val="FF0000"/>
+              </a:solidFill>
+            </a:ln>
+          </p:spPr>
+          <p:style>
+            <a:lnRef idx="2">
+              <a:schemeClr val="accent1">
+                <a:shade val="15000"/>
+              </a:schemeClr>
+            </a:lnRef>
+            <a:fillRef idx="1">
+              <a:schemeClr val="accent1"/>
+            </a:fillRef>
+            <a:effectRef idx="0">
+              <a:schemeClr val="accent1"/>
+            </a:effectRef>
+            <a:fontRef idx="minor">
+              <a:schemeClr val="lt1"/>
+            </a:fontRef>
+          </p:style>
+          <p:txBody>
+            <a:bodyPr rtlCol="0" anchor="ctr"/>
+            <a:lstStyle/>
+            <a:p>
+              <a:pPr algn="ctr"/>
+              <a:endParaRPr lang="ko-KR" altLang="en-US"/>
+            </a:p>
+          </p:txBody>
+        </p:sp>
+      </p:grpSp>
+    </p:spTree>
+    <p:extLst>
+      <p:ext uri="{BB962C8B-B14F-4D97-AF65-F5344CB8AC3E}">
+        <p14:creationId xmlns:p14="http://schemas.microsoft.com/office/powerpoint/2010/main" val="2445475584"/>
+      </p:ext>
+    </p:extLst>
+  </p:cSld>
+  <p:clrMapOvr>
+    <a:masterClrMapping/>
+  </p:clrMapOvr>
+</p:sld>
+</file>
+
+<file path=ppt/slides/slide13.xml><?xml version="1.0" encoding="utf-8"?>
+<p:sld xmlns:a="http://schemas.openxmlformats.org/drawingml/2006/main" xmlns:r="http://schemas.openxmlformats.org/officeDocument/2006/relationships" xmlns:p="http://schemas.openxmlformats.org/presentationml/2006/main">
+  <p:cSld>
+    <p:spTree>
+      <p:nvGrpSpPr>
+        <p:cNvPr id="1" name=""/>
+        <p:cNvGrpSpPr/>
+        <p:nvPr/>
+      </p:nvGrpSpPr>
+      <p:grpSpPr>
+        <a:xfrm>
+          <a:off x="0" y="0"/>
+          <a:ext cx="0" cy="0"/>
+          <a:chOff x="0" y="0"/>
+          <a:chExt cx="0" cy="0"/>
+        </a:xfrm>
+      </p:grpSpPr>
+      <p:sp>
+        <p:nvSpPr>
+          <p:cNvPr id="5" name="TextBox 4">
+            <a:extLst>
+              <a:ext uri="{FF2B5EF4-FFF2-40B4-BE49-F238E27FC236}">
+                <a16:creationId xmlns:a16="http://schemas.microsoft.com/office/drawing/2014/main" id="{A389414F-66B7-1262-7F78-D45BD7660CF6}"/>
+              </a:ext>
+            </a:extLst>
+          </p:cNvPr>
+          <p:cNvSpPr txBox="1"/>
+          <p:nvPr/>
+        </p:nvSpPr>
+        <p:spPr>
+          <a:xfrm>
+            <a:off x="285910" y="184373"/>
+            <a:ext cx="3026791" cy="400110"/>
+          </a:xfrm>
+          <a:prstGeom prst="rect">
+            <a:avLst/>
+          </a:prstGeom>
+          <a:solidFill>
+            <a:srgbClr val="1C3166"/>
+          </a:solidFill>
+          <a:ln>
+            <a:solidFill>
+              <a:schemeClr val="tx1"/>
+            </a:solidFill>
+          </a:ln>
+        </p:spPr>
+        <p:txBody>
+          <a:bodyPr wrap="none" rtlCol="0">
+            <a:spAutoFit/>
+          </a:bodyPr>
+          <a:lstStyle/>
+          <a:p>
+            <a:pPr algn="ctr"/>
+            <a:r>
+              <a:rPr lang="ko-KR" altLang="en-US" sz="2000" dirty="0" err="1">
+                <a:solidFill>
+                  <a:schemeClr val="bg1"/>
+                </a:solidFill>
+                <a:latin typeface="에스코어 드림 6 Bold" panose="020B0703030302020204" pitchFamily="34" charset="-127"/>
+                <a:ea typeface="에스코어 드림 6 Bold" panose="020B0703030302020204" pitchFamily="34" charset="-127"/>
+              </a:rPr>
+              <a:t>깃허브</a:t>
+            </a:r>
+            <a:r>
+              <a:rPr lang="en-US" altLang="ko-KR" sz="2000" dirty="0">
+                <a:solidFill>
+                  <a:schemeClr val="bg1"/>
+                </a:solidFill>
+                <a:latin typeface="에스코어 드림 6 Bold" panose="020B0703030302020204" pitchFamily="34" charset="-127"/>
+                <a:ea typeface="에스코어 드림 6 Bold" panose="020B0703030302020204" pitchFamily="34" charset="-127"/>
+              </a:rPr>
+              <a:t>-</a:t>
+            </a:r>
+            <a:r>
+              <a:rPr lang="ko-KR" altLang="en-US" sz="2000" dirty="0" err="1">
+                <a:solidFill>
+                  <a:schemeClr val="bg1"/>
+                </a:solidFill>
+                <a:latin typeface="에스코어 드림 6 Bold" panose="020B0703030302020204" pitchFamily="34" charset="-127"/>
+                <a:ea typeface="에스코어 드림 6 Bold" panose="020B0703030302020204" pitchFamily="34" charset="-127"/>
+              </a:rPr>
+              <a:t>브랜치</a:t>
+            </a:r>
+            <a:r>
+              <a:rPr lang="ko-KR" altLang="en-US" sz="2000" dirty="0">
+                <a:solidFill>
+                  <a:schemeClr val="bg1"/>
+                </a:solidFill>
+                <a:latin typeface="에스코어 드림 6 Bold" panose="020B0703030302020204" pitchFamily="34" charset="-127"/>
+                <a:ea typeface="에스코어 드림 6 Bold" panose="020B0703030302020204" pitchFamily="34" charset="-127"/>
+              </a:rPr>
+              <a:t> </a:t>
+            </a:r>
+            <a:r>
+              <a:rPr lang="en-US" altLang="ko-KR" sz="2000" dirty="0">
+                <a:solidFill>
+                  <a:schemeClr val="bg1"/>
+                </a:solidFill>
+                <a:latin typeface="에스코어 드림 6 Bold" panose="020B0703030302020204" pitchFamily="34" charset="-127"/>
+                <a:ea typeface="에스코어 드림 6 Bold" panose="020B0703030302020204" pitchFamily="34" charset="-127"/>
+              </a:rPr>
+              <a:t>push </a:t>
+            </a:r>
+            <a:r>
+              <a:rPr lang="ko-KR" altLang="en-US" sz="2000" dirty="0">
+                <a:solidFill>
+                  <a:schemeClr val="bg1"/>
+                </a:solidFill>
+                <a:latin typeface="에스코어 드림 6 Bold" panose="020B0703030302020204" pitchFamily="34" charset="-127"/>
+                <a:ea typeface="에스코어 드림 6 Bold" panose="020B0703030302020204" pitchFamily="34" charset="-127"/>
+              </a:rPr>
+              <a:t>막기</a:t>
+            </a:r>
+          </a:p>
+        </p:txBody>
+      </p:sp>
+      <p:sp>
+        <p:nvSpPr>
+          <p:cNvPr id="2" name="TextBox 1">
+            <a:extLst>
+              <a:ext uri="{FF2B5EF4-FFF2-40B4-BE49-F238E27FC236}">
+                <a16:creationId xmlns:a16="http://schemas.microsoft.com/office/drawing/2014/main" id="{D6FF3B9F-4BE9-FD1A-FC12-925685C2A976}"/>
+              </a:ext>
+            </a:extLst>
+          </p:cNvPr>
+          <p:cNvSpPr txBox="1"/>
+          <p:nvPr/>
+        </p:nvSpPr>
+        <p:spPr>
+          <a:xfrm>
+            <a:off x="285910" y="757083"/>
+            <a:ext cx="11372409" cy="1477328"/>
+          </a:xfrm>
+          <a:prstGeom prst="rect">
+            <a:avLst/>
+          </a:prstGeom>
+          <a:noFill/>
+          <a:ln>
+            <a:solidFill>
+              <a:schemeClr val="tx1"/>
+            </a:solidFill>
+          </a:ln>
+        </p:spPr>
+        <p:txBody>
+          <a:bodyPr wrap="none" rtlCol="0">
+            <a:spAutoFit/>
+          </a:bodyPr>
+          <a:lstStyle/>
+          <a:p>
+            <a:r>
+              <a:rPr lang="en-US" altLang="ko-KR" dirty="0"/>
+              <a:t>&lt;</a:t>
+            </a:r>
+            <a:r>
+              <a:rPr lang="ko-KR" altLang="en-US" dirty="0"/>
+              <a:t>진행</a:t>
+            </a:r>
+            <a:r>
+              <a:rPr lang="en-US" altLang="ko-KR" dirty="0"/>
+              <a:t>&gt;</a:t>
+            </a:r>
+          </a:p>
+          <a:p>
+            <a:pPr marL="342900" indent="-342900">
+              <a:buAutoNum type="arabicPeriod"/>
+            </a:pPr>
+            <a:r>
+              <a:rPr lang="en-US" altLang="ko-KR" dirty="0" err="1"/>
+              <a:t>Releset</a:t>
+            </a:r>
+            <a:r>
+              <a:rPr lang="en-US" altLang="ko-KR" dirty="0"/>
+              <a:t> Name (Description) </a:t>
+            </a:r>
+            <a:r>
+              <a:rPr lang="ko-KR" altLang="en-US" dirty="0"/>
+              <a:t>작성</a:t>
+            </a:r>
+            <a:endParaRPr lang="en-US" altLang="ko-KR" dirty="0"/>
+          </a:p>
+          <a:p>
+            <a:pPr marL="342900" indent="-342900">
+              <a:buAutoNum type="arabicPeriod"/>
+            </a:pPr>
+            <a:r>
+              <a:rPr lang="en-US" altLang="ko-KR" dirty="0"/>
+              <a:t>Enforcement status &gt; Active</a:t>
+            </a:r>
+            <a:r>
+              <a:rPr lang="ko-KR" altLang="en-US" dirty="0"/>
+              <a:t>로 변경</a:t>
+            </a:r>
+            <a:endParaRPr lang="en-US" altLang="ko-KR" dirty="0"/>
+          </a:p>
+          <a:p>
+            <a:pPr marL="342900" indent="-342900">
+              <a:buAutoNum type="arabicPeriod"/>
+            </a:pPr>
+            <a:r>
+              <a:rPr lang="en-US" altLang="ko-KR" dirty="0"/>
+              <a:t>Target branches &gt; +Add target </a:t>
+            </a:r>
+            <a:r>
+              <a:rPr lang="ko-KR" altLang="en-US" dirty="0"/>
+              <a:t>선택 </a:t>
+            </a:r>
+            <a:r>
+              <a:rPr lang="en-US" altLang="ko-KR" dirty="0"/>
+              <a:t>&gt; include by pattern </a:t>
+            </a:r>
+            <a:r>
+              <a:rPr lang="ko-KR" altLang="en-US" dirty="0"/>
+              <a:t>클릭</a:t>
+            </a:r>
+            <a:endParaRPr lang="en-US" altLang="ko-KR" dirty="0"/>
+          </a:p>
+          <a:p>
+            <a:pPr marL="342900" indent="-342900">
+              <a:buAutoNum type="arabicPeriod"/>
+            </a:pPr>
+            <a:r>
+              <a:rPr lang="en-US" altLang="ko-KR" dirty="0"/>
+              <a:t>Branch naming pattern</a:t>
+            </a:r>
+            <a:r>
+              <a:rPr lang="ko-KR" altLang="en-US" dirty="0"/>
+              <a:t>을 아까 작성했던 </a:t>
+            </a:r>
+            <a:r>
+              <a:rPr lang="en-US" altLang="ko-KR" dirty="0"/>
+              <a:t>branch name pattern</a:t>
+            </a:r>
+            <a:r>
+              <a:rPr lang="ko-KR" altLang="en-US" dirty="0"/>
+              <a:t>으로 입력 후</a:t>
+            </a:r>
+            <a:r>
+              <a:rPr lang="en-US" altLang="ko-KR" dirty="0"/>
+              <a:t>, Add inclusion pattern </a:t>
+            </a:r>
+            <a:r>
+              <a:rPr lang="ko-KR" altLang="en-US" dirty="0"/>
+              <a:t>클릭</a:t>
+            </a:r>
+            <a:endParaRPr lang="en-US" altLang="ko-KR" dirty="0"/>
+          </a:p>
+        </p:txBody>
+      </p:sp>
+      <p:grpSp>
+        <p:nvGrpSpPr>
+          <p:cNvPr id="25" name="그룹 24">
+            <a:extLst>
+              <a:ext uri="{FF2B5EF4-FFF2-40B4-BE49-F238E27FC236}">
+                <a16:creationId xmlns:a16="http://schemas.microsoft.com/office/drawing/2014/main" id="{B5E7C110-8BBE-FE2D-3E7F-41DDF17C209E}"/>
+              </a:ext>
+            </a:extLst>
+          </p:cNvPr>
+          <p:cNvGrpSpPr/>
+          <p:nvPr/>
+        </p:nvGrpSpPr>
+        <p:grpSpPr>
+          <a:xfrm>
+            <a:off x="116626" y="2564839"/>
+            <a:ext cx="3734124" cy="2697714"/>
+            <a:chOff x="285910" y="2158800"/>
+            <a:chExt cx="3734124" cy="2697714"/>
+          </a:xfrm>
+        </p:grpSpPr>
+        <p:pic>
+          <p:nvPicPr>
+            <p:cNvPr id="14" name="그림 13">
+              <a:extLst>
+                <a:ext uri="{FF2B5EF4-FFF2-40B4-BE49-F238E27FC236}">
+                  <a16:creationId xmlns:a16="http://schemas.microsoft.com/office/drawing/2014/main" id="{986AD32F-D09E-0DC8-456D-DC8ED0D19403}"/>
+                </a:ext>
+              </a:extLst>
+            </p:cNvPr>
+            <p:cNvPicPr>
+              <a:picLocks noChangeAspect="1"/>
+            </p:cNvPicPr>
+            <p:nvPr/>
+          </p:nvPicPr>
+          <p:blipFill>
+            <a:blip r:embed="rId2"/>
+            <a:stretch>
+              <a:fillRect/>
+            </a:stretch>
+          </p:blipFill>
+          <p:spPr>
+            <a:xfrm>
+              <a:off x="285910" y="2158800"/>
+              <a:ext cx="3734124" cy="2697714"/>
+            </a:xfrm>
+            <a:prstGeom prst="rect">
+              <a:avLst/>
+            </a:prstGeom>
+          </p:spPr>
+        </p:pic>
+        <p:grpSp>
+          <p:nvGrpSpPr>
+            <p:cNvPr id="24" name="그룹 23">
+              <a:extLst>
+                <a:ext uri="{FF2B5EF4-FFF2-40B4-BE49-F238E27FC236}">
+                  <a16:creationId xmlns:a16="http://schemas.microsoft.com/office/drawing/2014/main" id="{4526090A-9BC0-E736-FA87-A69DE6E7C32A}"/>
+                </a:ext>
+              </a:extLst>
+            </p:cNvPr>
+            <p:cNvGrpSpPr/>
+            <p:nvPr/>
+          </p:nvGrpSpPr>
+          <p:grpSpPr>
+            <a:xfrm>
+              <a:off x="443184" y="3955623"/>
+              <a:ext cx="882695" cy="816329"/>
+              <a:chOff x="443184" y="3955623"/>
+              <a:chExt cx="882695" cy="816329"/>
+            </a:xfrm>
+          </p:grpSpPr>
+          <p:sp>
+            <p:nvSpPr>
+              <p:cNvPr id="9" name="직사각형 8">
+                <a:extLst>
+                  <a:ext uri="{FF2B5EF4-FFF2-40B4-BE49-F238E27FC236}">
+                    <a16:creationId xmlns:a16="http://schemas.microsoft.com/office/drawing/2014/main" id="{A098E804-6E45-DA9E-C63D-7E8B4816FCC4}"/>
+                  </a:ext>
+                </a:extLst>
+              </p:cNvPr>
+              <p:cNvSpPr/>
+              <p:nvPr/>
+            </p:nvSpPr>
+            <p:spPr>
+              <a:xfrm>
+                <a:off x="443185" y="3955623"/>
+                <a:ext cx="762000" cy="277849"/>
+              </a:xfrm>
+              <a:prstGeom prst="rect">
+                <a:avLst/>
+              </a:prstGeom>
+              <a:noFill/>
+              <a:ln w="38100">
+                <a:solidFill>
+                  <a:srgbClr val="FF0000"/>
+                </a:solidFill>
+              </a:ln>
+            </p:spPr>
+            <p:style>
+              <a:lnRef idx="2">
+                <a:schemeClr val="accent1">
+                  <a:shade val="15000"/>
+                </a:schemeClr>
+              </a:lnRef>
+              <a:fillRef idx="1">
+                <a:schemeClr val="accent1"/>
+              </a:fillRef>
+              <a:effectRef idx="0">
+                <a:schemeClr val="accent1"/>
+              </a:effectRef>
+              <a:fontRef idx="minor">
+                <a:schemeClr val="lt1"/>
+              </a:fontRef>
+            </p:style>
+            <p:txBody>
+              <a:bodyPr rtlCol="0" anchor="ctr"/>
+              <a:lstStyle/>
+              <a:p>
+                <a:pPr algn="ctr"/>
+                <a:endParaRPr lang="ko-KR" altLang="en-US" dirty="0"/>
+              </a:p>
+            </p:txBody>
+          </p:sp>
+          <p:sp>
+            <p:nvSpPr>
+              <p:cNvPr id="19" name="직사각형 18">
+                <a:extLst>
+                  <a:ext uri="{FF2B5EF4-FFF2-40B4-BE49-F238E27FC236}">
+                    <a16:creationId xmlns:a16="http://schemas.microsoft.com/office/drawing/2014/main" id="{809F217B-31EC-1AB5-B4AB-B49247649CEA}"/>
+                  </a:ext>
+                </a:extLst>
+              </p:cNvPr>
+              <p:cNvSpPr/>
+              <p:nvPr/>
+            </p:nvSpPr>
+            <p:spPr>
+              <a:xfrm>
+                <a:off x="443184" y="4494103"/>
+                <a:ext cx="882695" cy="277849"/>
+              </a:xfrm>
+              <a:prstGeom prst="rect">
+                <a:avLst/>
+              </a:prstGeom>
+              <a:noFill/>
+              <a:ln w="38100">
+                <a:solidFill>
+                  <a:srgbClr val="FF0000"/>
+                </a:solidFill>
+              </a:ln>
+            </p:spPr>
+            <p:style>
+              <a:lnRef idx="2">
+                <a:schemeClr val="accent1">
+                  <a:shade val="15000"/>
+                </a:schemeClr>
+              </a:lnRef>
+              <a:fillRef idx="1">
+                <a:schemeClr val="accent1"/>
+              </a:fillRef>
+              <a:effectRef idx="0">
+                <a:schemeClr val="accent1"/>
+              </a:effectRef>
+              <a:fontRef idx="minor">
+                <a:schemeClr val="lt1"/>
+              </a:fontRef>
+            </p:style>
+            <p:txBody>
+              <a:bodyPr rtlCol="0" anchor="ctr"/>
+              <a:lstStyle/>
+              <a:p>
+                <a:pPr algn="ctr"/>
+                <a:endParaRPr lang="ko-KR" altLang="en-US" dirty="0"/>
+              </a:p>
+            </p:txBody>
+          </p:sp>
+        </p:grpSp>
+      </p:grpSp>
+      <p:sp>
+        <p:nvSpPr>
+          <p:cNvPr id="26" name="화살표: 오른쪽 25">
+            <a:extLst>
+              <a:ext uri="{FF2B5EF4-FFF2-40B4-BE49-F238E27FC236}">
+                <a16:creationId xmlns:a16="http://schemas.microsoft.com/office/drawing/2014/main" id="{557E3922-283E-B668-17CE-D786680C790E}"/>
+              </a:ext>
+            </a:extLst>
+          </p:cNvPr>
+          <p:cNvSpPr/>
+          <p:nvPr/>
+        </p:nvSpPr>
+        <p:spPr>
+          <a:xfrm>
+            <a:off x="3992975" y="2564839"/>
+            <a:ext cx="743853" cy="424167"/>
+          </a:xfrm>
+          <a:prstGeom prst="rightArrow">
+            <a:avLst/>
+          </a:prstGeom>
+        </p:spPr>
+        <p:style>
+          <a:lnRef idx="2">
+            <a:schemeClr val="accent1">
+              <a:shade val="15000"/>
+            </a:schemeClr>
+          </a:lnRef>
+          <a:fillRef idx="1">
+            <a:schemeClr val="accent1"/>
+          </a:fillRef>
+          <a:effectRef idx="0">
+            <a:schemeClr val="accent1"/>
+          </a:effectRef>
+          <a:fontRef idx="minor">
+            <a:schemeClr val="lt1"/>
+          </a:fontRef>
+        </p:style>
+        <p:txBody>
+          <a:bodyPr rtlCol="0" anchor="ctr"/>
+          <a:lstStyle/>
+          <a:p>
+            <a:pPr algn="ctr"/>
+            <a:endParaRPr lang="ko-KR" altLang="en-US"/>
+          </a:p>
+        </p:txBody>
+      </p:sp>
+      <p:pic>
+        <p:nvPicPr>
+          <p:cNvPr id="28" name="그림 27">
+            <a:extLst>
+              <a:ext uri="{FF2B5EF4-FFF2-40B4-BE49-F238E27FC236}">
+                <a16:creationId xmlns:a16="http://schemas.microsoft.com/office/drawing/2014/main" id="{C7237E3E-38E6-3A24-81FE-085C84E9A9E5}"/>
+              </a:ext>
+            </a:extLst>
+          </p:cNvPr>
+          <p:cNvPicPr>
+            <a:picLocks noChangeAspect="1"/>
+          </p:cNvPicPr>
+          <p:nvPr/>
+        </p:nvPicPr>
+        <p:blipFill>
+          <a:blip r:embed="rId3"/>
+          <a:stretch>
+            <a:fillRect/>
+          </a:stretch>
+        </p:blipFill>
+        <p:spPr>
+          <a:xfrm>
+            <a:off x="4810849" y="2314155"/>
+            <a:ext cx="6690940" cy="1783235"/>
+          </a:xfrm>
+          <a:prstGeom prst="rect">
+            <a:avLst/>
+          </a:prstGeom>
+        </p:spPr>
+      </p:pic>
+      <p:sp>
+        <p:nvSpPr>
+          <p:cNvPr id="29" name="직사각형 28">
+            <a:extLst>
+              <a:ext uri="{FF2B5EF4-FFF2-40B4-BE49-F238E27FC236}">
+                <a16:creationId xmlns:a16="http://schemas.microsoft.com/office/drawing/2014/main" id="{56613263-A332-DFCB-210E-853C43FAF191}"/>
+              </a:ext>
+            </a:extLst>
+          </p:cNvPr>
+          <p:cNvSpPr/>
+          <p:nvPr/>
+        </p:nvSpPr>
+        <p:spPr>
+          <a:xfrm>
+            <a:off x="9609630" y="2341425"/>
+            <a:ext cx="901054" cy="372278"/>
+          </a:xfrm>
+          <a:prstGeom prst="rect">
+            <a:avLst/>
+          </a:prstGeom>
+          <a:noFill/>
+          <a:ln w="38100">
+            <a:solidFill>
+              <a:srgbClr val="FF0000"/>
+            </a:solidFill>
+          </a:ln>
+        </p:spPr>
+        <p:style>
+          <a:lnRef idx="2">
+            <a:schemeClr val="accent1">
+              <a:shade val="15000"/>
+            </a:schemeClr>
+          </a:lnRef>
+          <a:fillRef idx="1">
+            <a:schemeClr val="accent1"/>
+          </a:fillRef>
+          <a:effectRef idx="0">
+            <a:schemeClr val="accent1"/>
+          </a:effectRef>
+          <a:fontRef idx="minor">
+            <a:schemeClr val="lt1"/>
+          </a:fontRef>
+        </p:style>
+        <p:txBody>
+          <a:bodyPr rtlCol="0" anchor="ctr"/>
+          <a:lstStyle/>
+          <a:p>
+            <a:pPr algn="ctr"/>
+            <a:endParaRPr lang="ko-KR" altLang="en-US" dirty="0"/>
+          </a:p>
+        </p:txBody>
+      </p:sp>
+      <p:sp>
+        <p:nvSpPr>
+          <p:cNvPr id="30" name="직사각형 29">
+            <a:extLst>
+              <a:ext uri="{FF2B5EF4-FFF2-40B4-BE49-F238E27FC236}">
+                <a16:creationId xmlns:a16="http://schemas.microsoft.com/office/drawing/2014/main" id="{BDDDD84D-21A9-4468-C293-994832744E9F}"/>
+              </a:ext>
+            </a:extLst>
+          </p:cNvPr>
+          <p:cNvSpPr/>
+          <p:nvPr/>
+        </p:nvSpPr>
+        <p:spPr>
+          <a:xfrm>
+            <a:off x="9609629" y="3453580"/>
+            <a:ext cx="1264847" cy="372278"/>
+          </a:xfrm>
+          <a:prstGeom prst="rect">
+            <a:avLst/>
+          </a:prstGeom>
+          <a:noFill/>
+          <a:ln w="38100">
+            <a:solidFill>
+              <a:srgbClr val="FF0000"/>
+            </a:solidFill>
+          </a:ln>
+        </p:spPr>
+        <p:style>
+          <a:lnRef idx="2">
+            <a:schemeClr val="accent1">
+              <a:shade val="15000"/>
+            </a:schemeClr>
+          </a:lnRef>
+          <a:fillRef idx="1">
+            <a:schemeClr val="accent1"/>
+          </a:fillRef>
+          <a:effectRef idx="0">
+            <a:schemeClr val="accent1"/>
+          </a:effectRef>
+          <a:fontRef idx="minor">
+            <a:schemeClr val="lt1"/>
+          </a:fontRef>
+        </p:style>
+        <p:txBody>
+          <a:bodyPr rtlCol="0" anchor="ctr"/>
+          <a:lstStyle/>
+          <a:p>
+            <a:pPr algn="ctr"/>
+            <a:endParaRPr lang="ko-KR" altLang="en-US" dirty="0"/>
+          </a:p>
+        </p:txBody>
+      </p:sp>
+      <p:sp>
+        <p:nvSpPr>
+          <p:cNvPr id="31" name="화살표: 오른쪽 30">
+            <a:extLst>
+              <a:ext uri="{FF2B5EF4-FFF2-40B4-BE49-F238E27FC236}">
+                <a16:creationId xmlns:a16="http://schemas.microsoft.com/office/drawing/2014/main" id="{51AAA8C4-E790-D368-5A56-2C21D235193A}"/>
+              </a:ext>
+            </a:extLst>
+          </p:cNvPr>
+          <p:cNvSpPr/>
+          <p:nvPr/>
+        </p:nvSpPr>
+        <p:spPr>
+          <a:xfrm rot="5400000">
+            <a:off x="7828236" y="4208582"/>
+            <a:ext cx="437692" cy="424167"/>
+          </a:xfrm>
+          <a:prstGeom prst="rightArrow">
+            <a:avLst/>
+          </a:prstGeom>
+        </p:spPr>
+        <p:style>
+          <a:lnRef idx="2">
+            <a:schemeClr val="accent1">
+              <a:shade val="15000"/>
+            </a:schemeClr>
+          </a:lnRef>
+          <a:fillRef idx="1">
+            <a:schemeClr val="accent1"/>
+          </a:fillRef>
+          <a:effectRef idx="0">
+            <a:schemeClr val="accent1"/>
+          </a:effectRef>
+          <a:fontRef idx="minor">
+            <a:schemeClr val="lt1"/>
+          </a:fontRef>
+        </p:style>
+        <p:txBody>
+          <a:bodyPr rtlCol="0" anchor="ctr"/>
+          <a:lstStyle/>
+          <a:p>
+            <a:pPr algn="ctr"/>
+            <a:endParaRPr lang="ko-KR" altLang="en-US"/>
+          </a:p>
+        </p:txBody>
+      </p:sp>
+      <p:pic>
+        <p:nvPicPr>
+          <p:cNvPr id="33" name="그림 32">
+            <a:extLst>
+              <a:ext uri="{FF2B5EF4-FFF2-40B4-BE49-F238E27FC236}">
+                <a16:creationId xmlns:a16="http://schemas.microsoft.com/office/drawing/2014/main" id="{52521416-D749-77A3-84AF-513D76DBB4D7}"/>
+              </a:ext>
+            </a:extLst>
+          </p:cNvPr>
+          <p:cNvPicPr>
+            <a:picLocks noChangeAspect="1"/>
+          </p:cNvPicPr>
+          <p:nvPr/>
+        </p:nvPicPr>
+        <p:blipFill>
+          <a:blip r:embed="rId4"/>
+          <a:stretch>
+            <a:fillRect/>
+          </a:stretch>
+        </p:blipFill>
+        <p:spPr>
+          <a:xfrm>
+            <a:off x="7038408" y="4827414"/>
+            <a:ext cx="2017348" cy="1803672"/>
+          </a:xfrm>
+          <a:prstGeom prst="rect">
+            <a:avLst/>
+          </a:prstGeom>
+        </p:spPr>
+      </p:pic>
+      <p:sp>
+        <p:nvSpPr>
+          <p:cNvPr id="34" name="직사각형 33">
+            <a:extLst>
+              <a:ext uri="{FF2B5EF4-FFF2-40B4-BE49-F238E27FC236}">
+                <a16:creationId xmlns:a16="http://schemas.microsoft.com/office/drawing/2014/main" id="{042AED41-7242-11BF-7C30-2F165997DEA0}"/>
+              </a:ext>
+            </a:extLst>
+          </p:cNvPr>
+          <p:cNvSpPr/>
+          <p:nvPr/>
+        </p:nvSpPr>
+        <p:spPr>
+          <a:xfrm>
+            <a:off x="7107321" y="5382370"/>
+            <a:ext cx="1151846" cy="487488"/>
+          </a:xfrm>
+          <a:prstGeom prst="rect">
+            <a:avLst/>
+          </a:prstGeom>
+          <a:noFill/>
+          <a:ln w="38100">
+            <a:solidFill>
+              <a:srgbClr val="FF0000"/>
+            </a:solidFill>
+          </a:ln>
+        </p:spPr>
+        <p:style>
+          <a:lnRef idx="2">
+            <a:schemeClr val="accent1">
+              <a:shade val="15000"/>
+            </a:schemeClr>
+          </a:lnRef>
+          <a:fillRef idx="1">
+            <a:schemeClr val="accent1"/>
+          </a:fillRef>
+          <a:effectRef idx="0">
+            <a:schemeClr val="accent1"/>
+          </a:effectRef>
+          <a:fontRef idx="minor">
+            <a:schemeClr val="lt1"/>
+          </a:fontRef>
+        </p:style>
+        <p:txBody>
+          <a:bodyPr rtlCol="0" anchor="ctr"/>
+          <a:lstStyle/>
+          <a:p>
+            <a:pPr algn="ctr"/>
+            <a:endParaRPr lang="ko-KR" altLang="en-US" dirty="0"/>
+          </a:p>
+        </p:txBody>
+      </p:sp>
+      <p:sp>
+        <p:nvSpPr>
+          <p:cNvPr id="35" name="직사각형 34">
+            <a:extLst>
+              <a:ext uri="{FF2B5EF4-FFF2-40B4-BE49-F238E27FC236}">
+                <a16:creationId xmlns:a16="http://schemas.microsoft.com/office/drawing/2014/main" id="{BF287C97-7574-7F2A-2C21-CFF878740456}"/>
+              </a:ext>
+            </a:extLst>
+          </p:cNvPr>
+          <p:cNvSpPr/>
+          <p:nvPr/>
+        </p:nvSpPr>
+        <p:spPr>
+          <a:xfrm>
+            <a:off x="7903910" y="6280468"/>
+            <a:ext cx="984451" cy="319414"/>
+          </a:xfrm>
+          <a:prstGeom prst="rect">
+            <a:avLst/>
+          </a:prstGeom>
+          <a:noFill/>
+          <a:ln w="38100">
+            <a:solidFill>
+              <a:srgbClr val="FF0000"/>
+            </a:solidFill>
+          </a:ln>
+        </p:spPr>
+        <p:style>
+          <a:lnRef idx="2">
+            <a:schemeClr val="accent1">
+              <a:shade val="15000"/>
+            </a:schemeClr>
+          </a:lnRef>
+          <a:fillRef idx="1">
+            <a:schemeClr val="accent1"/>
+          </a:fillRef>
+          <a:effectRef idx="0">
+            <a:schemeClr val="accent1"/>
+          </a:effectRef>
+          <a:fontRef idx="minor">
+            <a:schemeClr val="lt1"/>
+          </a:fontRef>
+        </p:style>
+        <p:txBody>
+          <a:bodyPr rtlCol="0" anchor="ctr"/>
+          <a:lstStyle/>
+          <a:p>
+            <a:pPr algn="ctr"/>
+            <a:endParaRPr lang="ko-KR" altLang="en-US" dirty="0"/>
+          </a:p>
+        </p:txBody>
+      </p:sp>
+    </p:spTree>
+    <p:extLst>
+      <p:ext uri="{BB962C8B-B14F-4D97-AF65-F5344CB8AC3E}">
+        <p14:creationId xmlns:p14="http://schemas.microsoft.com/office/powerpoint/2010/main" val="1177257315"/>
+      </p:ext>
+    </p:extLst>
+  </p:cSld>
+  <p:clrMapOvr>
+    <a:masterClrMapping/>
+  </p:clrMapOvr>
+</p:sld>
+</file>
+
+<file path=ppt/slides/slide14.xml><?xml version="1.0" encoding="utf-8"?>
+<p:sld xmlns:a="http://schemas.openxmlformats.org/drawingml/2006/main" xmlns:r="http://schemas.openxmlformats.org/officeDocument/2006/relationships" xmlns:p="http://schemas.openxmlformats.org/presentationml/2006/main">
+  <p:cSld>
+    <p:spTree>
+      <p:nvGrpSpPr>
+        <p:cNvPr id="1" name=""/>
+        <p:cNvGrpSpPr/>
+        <p:nvPr/>
+      </p:nvGrpSpPr>
+      <p:grpSpPr>
+        <a:xfrm>
+          <a:off x="0" y="0"/>
+          <a:ext cx="0" cy="0"/>
+          <a:chOff x="0" y="0"/>
+          <a:chExt cx="0" cy="0"/>
+        </a:xfrm>
+      </p:grpSpPr>
+      <p:sp>
+        <p:nvSpPr>
+          <p:cNvPr id="5" name="TextBox 4">
+            <a:extLst>
+              <a:ext uri="{FF2B5EF4-FFF2-40B4-BE49-F238E27FC236}">
+                <a16:creationId xmlns:a16="http://schemas.microsoft.com/office/drawing/2014/main" id="{A389414F-66B7-1262-7F78-D45BD7660CF6}"/>
+              </a:ext>
+            </a:extLst>
+          </p:cNvPr>
+          <p:cNvSpPr txBox="1"/>
+          <p:nvPr/>
+        </p:nvSpPr>
+        <p:spPr>
+          <a:xfrm>
+            <a:off x="285910" y="184373"/>
+            <a:ext cx="3026791" cy="400110"/>
+          </a:xfrm>
+          <a:prstGeom prst="rect">
+            <a:avLst/>
+          </a:prstGeom>
+          <a:solidFill>
+            <a:srgbClr val="1C3166"/>
+          </a:solidFill>
+          <a:ln>
+            <a:solidFill>
+              <a:schemeClr val="tx1"/>
+            </a:solidFill>
+          </a:ln>
+        </p:spPr>
+        <p:txBody>
+          <a:bodyPr wrap="none" rtlCol="0">
+            <a:spAutoFit/>
+          </a:bodyPr>
+          <a:lstStyle/>
+          <a:p>
+            <a:pPr algn="ctr"/>
+            <a:r>
+              <a:rPr lang="ko-KR" altLang="en-US" sz="2000" dirty="0" err="1">
+                <a:solidFill>
+                  <a:schemeClr val="bg1"/>
+                </a:solidFill>
+                <a:latin typeface="에스코어 드림 6 Bold" panose="020B0703030302020204" pitchFamily="34" charset="-127"/>
+                <a:ea typeface="에스코어 드림 6 Bold" panose="020B0703030302020204" pitchFamily="34" charset="-127"/>
+              </a:rPr>
+              <a:t>깃허브</a:t>
+            </a:r>
+            <a:r>
+              <a:rPr lang="en-US" altLang="ko-KR" sz="2000" dirty="0">
+                <a:solidFill>
+                  <a:schemeClr val="bg1"/>
+                </a:solidFill>
+                <a:latin typeface="에스코어 드림 6 Bold" panose="020B0703030302020204" pitchFamily="34" charset="-127"/>
+                <a:ea typeface="에스코어 드림 6 Bold" panose="020B0703030302020204" pitchFamily="34" charset="-127"/>
+              </a:rPr>
+              <a:t>-</a:t>
+            </a:r>
+            <a:r>
+              <a:rPr lang="ko-KR" altLang="en-US" sz="2000" dirty="0" err="1">
+                <a:solidFill>
+                  <a:schemeClr val="bg1"/>
+                </a:solidFill>
+                <a:latin typeface="에스코어 드림 6 Bold" panose="020B0703030302020204" pitchFamily="34" charset="-127"/>
+                <a:ea typeface="에스코어 드림 6 Bold" panose="020B0703030302020204" pitchFamily="34" charset="-127"/>
+              </a:rPr>
+              <a:t>브랜치</a:t>
+            </a:r>
+            <a:r>
+              <a:rPr lang="ko-KR" altLang="en-US" sz="2000" dirty="0">
+                <a:solidFill>
+                  <a:schemeClr val="bg1"/>
+                </a:solidFill>
+                <a:latin typeface="에스코어 드림 6 Bold" panose="020B0703030302020204" pitchFamily="34" charset="-127"/>
+                <a:ea typeface="에스코어 드림 6 Bold" panose="020B0703030302020204" pitchFamily="34" charset="-127"/>
+              </a:rPr>
+              <a:t> </a:t>
+            </a:r>
+            <a:r>
+              <a:rPr lang="en-US" altLang="ko-KR" sz="2000" dirty="0">
+                <a:solidFill>
+                  <a:schemeClr val="bg1"/>
+                </a:solidFill>
+                <a:latin typeface="에스코어 드림 6 Bold" panose="020B0703030302020204" pitchFamily="34" charset="-127"/>
+                <a:ea typeface="에스코어 드림 6 Bold" panose="020B0703030302020204" pitchFamily="34" charset="-127"/>
+              </a:rPr>
+              <a:t>push </a:t>
+            </a:r>
+            <a:r>
+              <a:rPr lang="ko-KR" altLang="en-US" sz="2000" dirty="0">
+                <a:solidFill>
+                  <a:schemeClr val="bg1"/>
+                </a:solidFill>
+                <a:latin typeface="에스코어 드림 6 Bold" panose="020B0703030302020204" pitchFamily="34" charset="-127"/>
+                <a:ea typeface="에스코어 드림 6 Bold" panose="020B0703030302020204" pitchFamily="34" charset="-127"/>
+              </a:rPr>
+              <a:t>막기</a:t>
+            </a:r>
+          </a:p>
+        </p:txBody>
+      </p:sp>
+      <p:sp>
+        <p:nvSpPr>
+          <p:cNvPr id="2" name="TextBox 1">
+            <a:extLst>
+              <a:ext uri="{FF2B5EF4-FFF2-40B4-BE49-F238E27FC236}">
+                <a16:creationId xmlns:a16="http://schemas.microsoft.com/office/drawing/2014/main" id="{D6FF3B9F-4BE9-FD1A-FC12-925685C2A976}"/>
+              </a:ext>
+            </a:extLst>
+          </p:cNvPr>
+          <p:cNvSpPr txBox="1"/>
+          <p:nvPr/>
+        </p:nvSpPr>
+        <p:spPr>
+          <a:xfrm>
+            <a:off x="285910" y="757083"/>
+            <a:ext cx="2865080" cy="923330"/>
+          </a:xfrm>
+          <a:prstGeom prst="rect">
+            <a:avLst/>
+          </a:prstGeom>
+          <a:noFill/>
+          <a:ln>
+            <a:solidFill>
+              <a:schemeClr val="tx1"/>
+            </a:solidFill>
+          </a:ln>
+        </p:spPr>
+        <p:txBody>
+          <a:bodyPr wrap="none" rtlCol="0">
+            <a:spAutoFit/>
+          </a:bodyPr>
+          <a:lstStyle/>
+          <a:p>
+            <a:r>
+              <a:rPr lang="en-US" altLang="ko-KR" dirty="0"/>
+              <a:t>&lt;</a:t>
+            </a:r>
+            <a:r>
+              <a:rPr lang="ko-KR" altLang="en-US" dirty="0"/>
+              <a:t>진행</a:t>
+            </a:r>
+            <a:r>
+              <a:rPr lang="en-US" altLang="ko-KR" dirty="0"/>
+              <a:t>&gt;</a:t>
+            </a:r>
+          </a:p>
+          <a:p>
+            <a:pPr marL="342900" indent="-342900">
+              <a:buAutoNum type="arabicPeriod"/>
+            </a:pPr>
+            <a:r>
+              <a:rPr lang="en-US" altLang="ko-KR" dirty="0"/>
+              <a:t>Restrict updates </a:t>
+            </a:r>
+            <a:r>
+              <a:rPr lang="ko-KR" altLang="en-US" dirty="0"/>
+              <a:t>선택</a:t>
+            </a:r>
+            <a:endParaRPr lang="en-US" altLang="ko-KR" dirty="0"/>
+          </a:p>
+          <a:p>
+            <a:pPr marL="342900" indent="-342900">
+              <a:buAutoNum type="arabicPeriod"/>
+            </a:pPr>
+            <a:r>
+              <a:rPr lang="en-US" altLang="ko-KR" dirty="0"/>
+              <a:t>create </a:t>
+            </a:r>
+            <a:r>
+              <a:rPr lang="ko-KR" altLang="en-US" dirty="0"/>
+              <a:t>생성</a:t>
+            </a:r>
+            <a:endParaRPr lang="en-US" altLang="ko-KR" dirty="0"/>
+          </a:p>
+        </p:txBody>
+      </p:sp>
+      <p:grpSp>
+        <p:nvGrpSpPr>
+          <p:cNvPr id="22" name="그룹 21">
+            <a:extLst>
+              <a:ext uri="{FF2B5EF4-FFF2-40B4-BE49-F238E27FC236}">
+                <a16:creationId xmlns:a16="http://schemas.microsoft.com/office/drawing/2014/main" id="{0F6A05BD-14E9-AE4A-D2CC-BA8E43244E4D}"/>
+              </a:ext>
+            </a:extLst>
+          </p:cNvPr>
+          <p:cNvGrpSpPr/>
+          <p:nvPr/>
+        </p:nvGrpSpPr>
+        <p:grpSpPr>
+          <a:xfrm>
+            <a:off x="6178204" y="584483"/>
+            <a:ext cx="3276884" cy="6050804"/>
+            <a:chOff x="6669816" y="482255"/>
+            <a:chExt cx="3276884" cy="6050804"/>
+          </a:xfrm>
+        </p:grpSpPr>
+        <p:pic>
+          <p:nvPicPr>
+            <p:cNvPr id="8" name="그림 7">
+              <a:extLst>
+                <a:ext uri="{FF2B5EF4-FFF2-40B4-BE49-F238E27FC236}">
+                  <a16:creationId xmlns:a16="http://schemas.microsoft.com/office/drawing/2014/main" id="{5C17BFDB-FEFB-65C9-AB39-8DE0E8C11A4D}"/>
+                </a:ext>
+              </a:extLst>
+            </p:cNvPr>
+            <p:cNvPicPr>
+              <a:picLocks noChangeAspect="1"/>
+            </p:cNvPicPr>
+            <p:nvPr/>
+          </p:nvPicPr>
+          <p:blipFill>
+            <a:blip r:embed="rId2"/>
+            <a:stretch>
+              <a:fillRect/>
+            </a:stretch>
+          </p:blipFill>
+          <p:spPr>
+            <a:xfrm>
+              <a:off x="6669816" y="482255"/>
+              <a:ext cx="3276884" cy="6050804"/>
+            </a:xfrm>
+            <a:prstGeom prst="rect">
+              <a:avLst/>
+            </a:prstGeom>
+          </p:spPr>
+        </p:pic>
+        <p:sp>
+          <p:nvSpPr>
+            <p:cNvPr id="20" name="직사각형 19">
+              <a:extLst>
+                <a:ext uri="{FF2B5EF4-FFF2-40B4-BE49-F238E27FC236}">
+                  <a16:creationId xmlns:a16="http://schemas.microsoft.com/office/drawing/2014/main" id="{6E39827F-D68C-D627-4E73-3BC79F8C7D96}"/>
+                </a:ext>
+              </a:extLst>
+            </p:cNvPr>
+            <p:cNvSpPr/>
+            <p:nvPr/>
+          </p:nvSpPr>
+          <p:spPr>
+            <a:xfrm>
+              <a:off x="7094707" y="1622966"/>
+              <a:ext cx="1262713" cy="387755"/>
+            </a:xfrm>
+            <a:prstGeom prst="rect">
+              <a:avLst/>
+            </a:prstGeom>
+            <a:noFill/>
+            <a:ln w="38100">
+              <a:solidFill>
+                <a:srgbClr val="FF0000"/>
+              </a:solidFill>
+            </a:ln>
+          </p:spPr>
+          <p:style>
+            <a:lnRef idx="2">
+              <a:schemeClr val="accent1">
+                <a:shade val="15000"/>
+              </a:schemeClr>
+            </a:lnRef>
+            <a:fillRef idx="1">
+              <a:schemeClr val="accent1"/>
+            </a:fillRef>
+            <a:effectRef idx="0">
+              <a:schemeClr val="accent1"/>
+            </a:effectRef>
+            <a:fontRef idx="minor">
+              <a:schemeClr val="lt1"/>
+            </a:fontRef>
+          </p:style>
+          <p:txBody>
+            <a:bodyPr rtlCol="0" anchor="ctr"/>
+            <a:lstStyle/>
+            <a:p>
+              <a:pPr algn="ctr"/>
+              <a:endParaRPr lang="ko-KR" altLang="en-US" dirty="0"/>
+            </a:p>
+          </p:txBody>
+        </p:sp>
+        <p:sp>
+          <p:nvSpPr>
+            <p:cNvPr id="21" name="직사각형 20">
+              <a:extLst>
+                <a:ext uri="{FF2B5EF4-FFF2-40B4-BE49-F238E27FC236}">
+                  <a16:creationId xmlns:a16="http://schemas.microsoft.com/office/drawing/2014/main" id="{079C1C0F-73C3-6CDD-D456-FE46678ECF83}"/>
+                </a:ext>
+              </a:extLst>
+            </p:cNvPr>
+            <p:cNvSpPr/>
+            <p:nvPr/>
+          </p:nvSpPr>
+          <p:spPr>
+            <a:xfrm>
+              <a:off x="7094707" y="6145304"/>
+              <a:ext cx="535126" cy="387755"/>
+            </a:xfrm>
+            <a:prstGeom prst="rect">
+              <a:avLst/>
+            </a:prstGeom>
+            <a:noFill/>
+            <a:ln w="38100">
+              <a:solidFill>
+                <a:srgbClr val="FF0000"/>
+              </a:solidFill>
+            </a:ln>
+          </p:spPr>
+          <p:style>
+            <a:lnRef idx="2">
+              <a:schemeClr val="accent1">
+                <a:shade val="15000"/>
+              </a:schemeClr>
+            </a:lnRef>
+            <a:fillRef idx="1">
+              <a:schemeClr val="accent1"/>
+            </a:fillRef>
+            <a:effectRef idx="0">
+              <a:schemeClr val="accent1"/>
+            </a:effectRef>
+            <a:fontRef idx="minor">
+              <a:schemeClr val="lt1"/>
+            </a:fontRef>
+          </p:style>
+          <p:txBody>
+            <a:bodyPr rtlCol="0" anchor="ctr"/>
+            <a:lstStyle/>
+            <a:p>
+              <a:pPr algn="ctr"/>
+              <a:endParaRPr lang="ko-KR" altLang="en-US" dirty="0"/>
+            </a:p>
+          </p:txBody>
+        </p:sp>
+      </p:grpSp>
+    </p:spTree>
+    <p:extLst>
+      <p:ext uri="{BB962C8B-B14F-4D97-AF65-F5344CB8AC3E}">
+        <p14:creationId xmlns:p14="http://schemas.microsoft.com/office/powerpoint/2010/main" val="661184900"/>
+      </p:ext>
+    </p:extLst>
+  </p:cSld>
+  <p:clrMapOvr>
+    <a:masterClrMapping/>
+  </p:clrMapOvr>
+</p:sld>
+</file>
+
+<file path=ppt/slides/slide15.xml><?xml version="1.0" encoding="utf-8"?>
+<p:sld xmlns:a="http://schemas.openxmlformats.org/drawingml/2006/main" xmlns:r="http://schemas.openxmlformats.org/officeDocument/2006/relationships" xmlns:p="http://schemas.openxmlformats.org/presentationml/2006/main">
+  <p:cSld>
+    <p:spTree>
+      <p:nvGrpSpPr>
+        <p:cNvPr id="1" name=""/>
+        <p:cNvGrpSpPr/>
+        <p:nvPr/>
+      </p:nvGrpSpPr>
+      <p:grpSpPr>
+        <a:xfrm>
+          <a:off x="0" y="0"/>
+          <a:ext cx="0" cy="0"/>
+          <a:chOff x="0" y="0"/>
+          <a:chExt cx="0" cy="0"/>
+        </a:xfrm>
+      </p:grpSpPr>
+      <p:sp>
+        <p:nvSpPr>
+          <p:cNvPr id="5" name="TextBox 4">
+            <a:extLst>
+              <a:ext uri="{FF2B5EF4-FFF2-40B4-BE49-F238E27FC236}">
+                <a16:creationId xmlns:a16="http://schemas.microsoft.com/office/drawing/2014/main" id="{A389414F-66B7-1262-7F78-D45BD7660CF6}"/>
+              </a:ext>
+            </a:extLst>
+          </p:cNvPr>
+          <p:cNvSpPr txBox="1"/>
+          <p:nvPr/>
+        </p:nvSpPr>
+        <p:spPr>
+          <a:xfrm>
+            <a:off x="285910" y="184373"/>
+            <a:ext cx="3026791" cy="400110"/>
+          </a:xfrm>
+          <a:prstGeom prst="rect">
+            <a:avLst/>
+          </a:prstGeom>
+          <a:solidFill>
+            <a:srgbClr val="1C3166"/>
+          </a:solidFill>
+          <a:ln>
+            <a:solidFill>
+              <a:schemeClr val="tx1"/>
+            </a:solidFill>
+          </a:ln>
+        </p:spPr>
+        <p:txBody>
+          <a:bodyPr wrap="none" rtlCol="0">
+            <a:spAutoFit/>
+          </a:bodyPr>
+          <a:lstStyle/>
+          <a:p>
+            <a:pPr algn="ctr"/>
+            <a:r>
+              <a:rPr lang="ko-KR" altLang="en-US" sz="2000" dirty="0" err="1">
+                <a:solidFill>
+                  <a:schemeClr val="bg1"/>
+                </a:solidFill>
+                <a:latin typeface="에스코어 드림 6 Bold" panose="020B0703030302020204" pitchFamily="34" charset="-127"/>
+                <a:ea typeface="에스코어 드림 6 Bold" panose="020B0703030302020204" pitchFamily="34" charset="-127"/>
+              </a:rPr>
+              <a:t>깃허브</a:t>
+            </a:r>
+            <a:r>
+              <a:rPr lang="en-US" altLang="ko-KR" sz="2000" dirty="0">
+                <a:solidFill>
+                  <a:schemeClr val="bg1"/>
+                </a:solidFill>
+                <a:latin typeface="에스코어 드림 6 Bold" panose="020B0703030302020204" pitchFamily="34" charset="-127"/>
+                <a:ea typeface="에스코어 드림 6 Bold" panose="020B0703030302020204" pitchFamily="34" charset="-127"/>
+              </a:rPr>
+              <a:t>-</a:t>
+            </a:r>
+            <a:r>
+              <a:rPr lang="ko-KR" altLang="en-US" sz="2000" dirty="0" err="1">
+                <a:solidFill>
+                  <a:schemeClr val="bg1"/>
+                </a:solidFill>
+                <a:latin typeface="에스코어 드림 6 Bold" panose="020B0703030302020204" pitchFamily="34" charset="-127"/>
+                <a:ea typeface="에스코어 드림 6 Bold" panose="020B0703030302020204" pitchFamily="34" charset="-127"/>
+              </a:rPr>
+              <a:t>브랜치</a:t>
+            </a:r>
+            <a:r>
+              <a:rPr lang="ko-KR" altLang="en-US" sz="2000" dirty="0">
+                <a:solidFill>
+                  <a:schemeClr val="bg1"/>
+                </a:solidFill>
+                <a:latin typeface="에스코어 드림 6 Bold" panose="020B0703030302020204" pitchFamily="34" charset="-127"/>
+                <a:ea typeface="에스코어 드림 6 Bold" panose="020B0703030302020204" pitchFamily="34" charset="-127"/>
+              </a:rPr>
+              <a:t> </a:t>
+            </a:r>
+            <a:r>
+              <a:rPr lang="en-US" altLang="ko-KR" sz="2000" dirty="0">
+                <a:solidFill>
+                  <a:schemeClr val="bg1"/>
+                </a:solidFill>
+                <a:latin typeface="에스코어 드림 6 Bold" panose="020B0703030302020204" pitchFamily="34" charset="-127"/>
+                <a:ea typeface="에스코어 드림 6 Bold" panose="020B0703030302020204" pitchFamily="34" charset="-127"/>
+              </a:rPr>
+              <a:t>push </a:t>
+            </a:r>
+            <a:r>
+              <a:rPr lang="ko-KR" altLang="en-US" sz="2000" dirty="0">
+                <a:solidFill>
+                  <a:schemeClr val="bg1"/>
+                </a:solidFill>
+                <a:latin typeface="에스코어 드림 6 Bold" panose="020B0703030302020204" pitchFamily="34" charset="-127"/>
+                <a:ea typeface="에스코어 드림 6 Bold" panose="020B0703030302020204" pitchFamily="34" charset="-127"/>
+              </a:rPr>
+              <a:t>막기</a:t>
+            </a:r>
+          </a:p>
+        </p:txBody>
+      </p:sp>
+      <p:sp>
+        <p:nvSpPr>
+          <p:cNvPr id="2" name="TextBox 1">
+            <a:extLst>
+              <a:ext uri="{FF2B5EF4-FFF2-40B4-BE49-F238E27FC236}">
+                <a16:creationId xmlns:a16="http://schemas.microsoft.com/office/drawing/2014/main" id="{D6FF3B9F-4BE9-FD1A-FC12-925685C2A976}"/>
+              </a:ext>
+            </a:extLst>
+          </p:cNvPr>
+          <p:cNvSpPr txBox="1"/>
+          <p:nvPr/>
+        </p:nvSpPr>
+        <p:spPr>
+          <a:xfrm>
+            <a:off x="285910" y="757083"/>
+            <a:ext cx="7551363" cy="1754326"/>
+          </a:xfrm>
+          <a:prstGeom prst="rect">
+            <a:avLst/>
+          </a:prstGeom>
+          <a:noFill/>
+          <a:ln>
+            <a:solidFill>
+              <a:schemeClr val="tx1"/>
+            </a:solidFill>
+          </a:ln>
+        </p:spPr>
+        <p:txBody>
+          <a:bodyPr wrap="none" rtlCol="0">
+            <a:spAutoFit/>
+          </a:bodyPr>
+          <a:lstStyle/>
+          <a:p>
+            <a:r>
+              <a:rPr lang="en-US" altLang="ko-KR" dirty="0"/>
+              <a:t>&lt;</a:t>
+            </a:r>
+            <a:r>
+              <a:rPr lang="ko-KR" altLang="en-US" dirty="0"/>
+              <a:t>진행</a:t>
+            </a:r>
+            <a:r>
+              <a:rPr lang="en-US" altLang="ko-KR" dirty="0"/>
+              <a:t>&gt;</a:t>
+            </a:r>
+          </a:p>
+          <a:p>
+            <a:pPr marL="342900" indent="-342900">
+              <a:buAutoNum type="arabicPeriod"/>
+            </a:pPr>
+            <a:r>
+              <a:rPr lang="ko-KR" altLang="en-US" dirty="0" err="1"/>
+              <a:t>깃허브</a:t>
+            </a:r>
+            <a:r>
+              <a:rPr lang="ko-KR" altLang="en-US" dirty="0"/>
+              <a:t> 데스크탑에 접속해서 설정한 </a:t>
+            </a:r>
+            <a:r>
+              <a:rPr lang="en-US" altLang="ko-KR" dirty="0"/>
+              <a:t>branch</a:t>
+            </a:r>
+            <a:r>
+              <a:rPr lang="ko-KR" altLang="en-US" dirty="0"/>
+              <a:t>에 </a:t>
+            </a:r>
+            <a:r>
+              <a:rPr lang="en-US" altLang="ko-KR" dirty="0"/>
+              <a:t>push</a:t>
+            </a:r>
+            <a:r>
+              <a:rPr lang="ko-KR" altLang="en-US" dirty="0"/>
+              <a:t>를 하려고 하면</a:t>
+            </a:r>
+            <a:r>
+              <a:rPr lang="en-US" altLang="ko-KR" dirty="0"/>
+              <a:t> </a:t>
+            </a:r>
+            <a:br>
+              <a:rPr lang="en-US" altLang="ko-KR" dirty="0"/>
+            </a:br>
+            <a:r>
+              <a:rPr lang="en-US" altLang="ko-KR" dirty="0"/>
+              <a:t>dev_20240102</a:t>
+            </a:r>
+            <a:r>
+              <a:rPr lang="ko-KR" altLang="en-US" dirty="0"/>
+              <a:t> </a:t>
+            </a:r>
+            <a:r>
+              <a:rPr lang="en-US" altLang="ko-KR" dirty="0"/>
+              <a:t>is~~</a:t>
+            </a:r>
+            <a:r>
+              <a:rPr lang="ko-KR" altLang="en-US" dirty="0"/>
+              <a:t> 이런 문구가 뜨면 성공 </a:t>
+            </a:r>
+            <a:r>
+              <a:rPr lang="en-US" altLang="ko-KR" dirty="0"/>
+              <a:t>(</a:t>
+            </a:r>
+            <a:r>
+              <a:rPr lang="ko-KR" altLang="en-US" dirty="0"/>
+              <a:t>정상적으로 설정된 모습</a:t>
+            </a:r>
+            <a:r>
+              <a:rPr lang="en-US" altLang="ko-KR" dirty="0"/>
+              <a:t>)</a:t>
+            </a:r>
+          </a:p>
+          <a:p>
+            <a:pPr marL="342900" indent="-342900">
+              <a:buAutoNum type="arabicPeriod"/>
+            </a:pPr>
+            <a:endParaRPr lang="en-US" altLang="ko-KR" dirty="0"/>
+          </a:p>
+          <a:p>
+            <a:r>
+              <a:rPr lang="en-US" altLang="ko-KR" dirty="0"/>
+              <a:t>&lt;</a:t>
+            </a:r>
+            <a:r>
+              <a:rPr lang="ko-KR" altLang="en-US" dirty="0"/>
+              <a:t>참고</a:t>
+            </a:r>
+            <a:r>
+              <a:rPr lang="en-US" altLang="ko-KR" dirty="0"/>
+              <a:t>&gt;</a:t>
+            </a:r>
+          </a:p>
+          <a:p>
+            <a:r>
+              <a:rPr lang="en-US" altLang="ko-KR" dirty="0"/>
+              <a:t>1. </a:t>
+            </a:r>
+            <a:r>
+              <a:rPr lang="ko-KR" altLang="en-US" dirty="0"/>
+              <a:t>이유는 모르겠는데</a:t>
+            </a:r>
+            <a:r>
+              <a:rPr lang="en-US" altLang="ko-KR" dirty="0"/>
+              <a:t>, </a:t>
+            </a:r>
+            <a:r>
+              <a:rPr lang="ko-KR" altLang="en-US" dirty="0" err="1"/>
+              <a:t>커밋이</a:t>
+            </a:r>
+            <a:r>
+              <a:rPr lang="ko-KR" altLang="en-US" dirty="0"/>
+              <a:t> 가능함 </a:t>
+            </a:r>
+            <a:r>
+              <a:rPr lang="en-US" altLang="ko-KR" dirty="0"/>
+              <a:t>(</a:t>
+            </a:r>
+            <a:r>
+              <a:rPr lang="ko-KR" altLang="en-US" dirty="0"/>
+              <a:t>진짜 </a:t>
+            </a:r>
+            <a:r>
+              <a:rPr lang="ko-KR" altLang="en-US" dirty="0" err="1"/>
+              <a:t>왜이럼</a:t>
+            </a:r>
+            <a:r>
+              <a:rPr lang="en-US" altLang="ko-KR"/>
+              <a:t>?)</a:t>
+            </a:r>
+            <a:endParaRPr lang="en-US" altLang="ko-KR" dirty="0"/>
+          </a:p>
+        </p:txBody>
+      </p:sp>
+      <p:grpSp>
+        <p:nvGrpSpPr>
+          <p:cNvPr id="7" name="그룹 6">
+            <a:extLst>
+              <a:ext uri="{FF2B5EF4-FFF2-40B4-BE49-F238E27FC236}">
+                <a16:creationId xmlns:a16="http://schemas.microsoft.com/office/drawing/2014/main" id="{C8DCE7E8-D534-004C-176E-3209BB2D2EE0}"/>
+              </a:ext>
+            </a:extLst>
+          </p:cNvPr>
+          <p:cNvGrpSpPr/>
+          <p:nvPr/>
+        </p:nvGrpSpPr>
+        <p:grpSpPr>
+          <a:xfrm>
+            <a:off x="285910" y="3759418"/>
+            <a:ext cx="4686706" cy="2293819"/>
+            <a:chOff x="409679" y="2282090"/>
+            <a:chExt cx="4686706" cy="2293819"/>
+          </a:xfrm>
+        </p:grpSpPr>
+        <p:pic>
+          <p:nvPicPr>
+            <p:cNvPr id="4" name="그림 3">
+              <a:extLst>
+                <a:ext uri="{FF2B5EF4-FFF2-40B4-BE49-F238E27FC236}">
+                  <a16:creationId xmlns:a16="http://schemas.microsoft.com/office/drawing/2014/main" id="{96DEF514-0676-3A07-9D09-B342040E1C9B}"/>
+                </a:ext>
+              </a:extLst>
+            </p:cNvPr>
+            <p:cNvPicPr>
+              <a:picLocks noChangeAspect="1"/>
+            </p:cNvPicPr>
+            <p:nvPr/>
+          </p:nvPicPr>
+          <p:blipFill>
+            <a:blip r:embed="rId2"/>
+            <a:stretch>
+              <a:fillRect/>
+            </a:stretch>
+          </p:blipFill>
+          <p:spPr>
+            <a:xfrm>
+              <a:off x="409679" y="2282090"/>
+              <a:ext cx="4686706" cy="2293819"/>
+            </a:xfrm>
+            <a:prstGeom prst="rect">
+              <a:avLst/>
+            </a:prstGeom>
+          </p:spPr>
+        </p:pic>
+        <p:sp>
+          <p:nvSpPr>
+            <p:cNvPr id="6" name="직사각형 5">
+              <a:extLst>
+                <a:ext uri="{FF2B5EF4-FFF2-40B4-BE49-F238E27FC236}">
+                  <a16:creationId xmlns:a16="http://schemas.microsoft.com/office/drawing/2014/main" id="{313BDAAD-6324-7626-5BDB-CC9C0AA58D27}"/>
+                </a:ext>
+              </a:extLst>
+            </p:cNvPr>
+            <p:cNvSpPr/>
+            <p:nvPr/>
+          </p:nvSpPr>
+          <p:spPr>
+            <a:xfrm>
+              <a:off x="959379" y="3927119"/>
+              <a:ext cx="3789602" cy="281087"/>
+            </a:xfrm>
+            <a:prstGeom prst="rect">
+              <a:avLst/>
+            </a:prstGeom>
+            <a:noFill/>
+            <a:ln w="38100">
+              <a:solidFill>
+                <a:srgbClr val="FF0000"/>
+              </a:solidFill>
+            </a:ln>
+          </p:spPr>
+          <p:style>
+            <a:lnRef idx="2">
+              <a:schemeClr val="accent1">
+                <a:shade val="15000"/>
+              </a:schemeClr>
+            </a:lnRef>
+            <a:fillRef idx="1">
+              <a:schemeClr val="accent1"/>
+            </a:fillRef>
+            <a:effectRef idx="0">
+              <a:schemeClr val="accent1"/>
+            </a:effectRef>
+            <a:fontRef idx="minor">
+              <a:schemeClr val="lt1"/>
+            </a:fontRef>
+          </p:style>
+          <p:txBody>
+            <a:bodyPr rtlCol="0" anchor="ctr"/>
+            <a:lstStyle/>
+            <a:p>
+              <a:pPr algn="ctr"/>
+              <a:endParaRPr lang="ko-KR" altLang="en-US" dirty="0"/>
+            </a:p>
+          </p:txBody>
+        </p:sp>
+      </p:grpSp>
+    </p:spTree>
+    <p:extLst>
+      <p:ext uri="{BB962C8B-B14F-4D97-AF65-F5344CB8AC3E}">
+        <p14:creationId xmlns:p14="http://schemas.microsoft.com/office/powerpoint/2010/main" val="1544100830"/>
+      </p:ext>
+    </p:extLst>
+  </p:cSld>
+  <p:clrMapOvr>
+    <a:masterClrMapping/>
+  </p:clrMapOvr>
+</p:sld>
+</file>
+
 <file path=ppt/slides/slide2.xml><?xml version="1.0" encoding="utf-8"?>
 <p:sld xmlns:a="http://schemas.openxmlformats.org/drawingml/2006/main" xmlns:r="http://schemas.openxmlformats.org/officeDocument/2006/relationships" xmlns:p="http://schemas.openxmlformats.org/presentationml/2006/main">
   <p:cSld>
@@ -7165,6 +11162,135 @@
 </p:sld>
 </file>
 
+<file path=ppt/slides/slide9.xml><?xml version="1.0" encoding="utf-8"?>
+<p:sld xmlns:a="http://schemas.openxmlformats.org/drawingml/2006/main" xmlns:r="http://schemas.openxmlformats.org/officeDocument/2006/relationships" xmlns:p="http://schemas.openxmlformats.org/presentationml/2006/main">
+  <p:cSld>
+    <p:spTree>
+      <p:nvGrpSpPr>
+        <p:cNvPr id="1" name=""/>
+        <p:cNvGrpSpPr/>
+        <p:nvPr/>
+      </p:nvGrpSpPr>
+      <p:grpSpPr>
+        <a:xfrm>
+          <a:off x="0" y="0"/>
+          <a:ext cx="0" cy="0"/>
+          <a:chOff x="0" y="0"/>
+          <a:chExt cx="0" cy="0"/>
+        </a:xfrm>
+      </p:grpSpPr>
+      <p:sp>
+        <p:nvSpPr>
+          <p:cNvPr id="5" name="TextBox 4">
+            <a:extLst>
+              <a:ext uri="{FF2B5EF4-FFF2-40B4-BE49-F238E27FC236}">
+                <a16:creationId xmlns:a16="http://schemas.microsoft.com/office/drawing/2014/main" id="{A389414F-66B7-1262-7F78-D45BD7660CF6}"/>
+              </a:ext>
+            </a:extLst>
+          </p:cNvPr>
+          <p:cNvSpPr txBox="1"/>
+          <p:nvPr/>
+        </p:nvSpPr>
+        <p:spPr>
+          <a:xfrm>
+            <a:off x="3169561" y="3075057"/>
+            <a:ext cx="5852885" cy="707886"/>
+          </a:xfrm>
+          <a:prstGeom prst="rect">
+            <a:avLst/>
+          </a:prstGeom>
+          <a:solidFill>
+            <a:srgbClr val="1C3166"/>
+          </a:solidFill>
+          <a:ln>
+            <a:solidFill>
+              <a:schemeClr val="tx1"/>
+            </a:solidFill>
+          </a:ln>
+        </p:spPr>
+        <p:txBody>
+          <a:bodyPr wrap="none" rtlCol="0">
+            <a:spAutoFit/>
+          </a:bodyPr>
+          <a:lstStyle/>
+          <a:p>
+            <a:pPr algn="ctr"/>
+            <a:r>
+              <a:rPr lang="ko-KR" altLang="en-US" sz="4000" dirty="0" err="1">
+                <a:solidFill>
+                  <a:schemeClr val="bg1"/>
+                </a:solidFill>
+                <a:latin typeface="에스코어 드림 6 Bold" panose="020B0703030302020204" pitchFamily="34" charset="-127"/>
+                <a:ea typeface="에스코어 드림 6 Bold" panose="020B0703030302020204" pitchFamily="34" charset="-127"/>
+              </a:rPr>
+              <a:t>깃허브</a:t>
+            </a:r>
+            <a:r>
+              <a:rPr lang="en-US" altLang="ko-KR" sz="4000" dirty="0">
+                <a:solidFill>
+                  <a:schemeClr val="bg1"/>
+                </a:solidFill>
+                <a:latin typeface="에스코어 드림 6 Bold" panose="020B0703030302020204" pitchFamily="34" charset="-127"/>
+                <a:ea typeface="에스코어 드림 6 Bold" panose="020B0703030302020204" pitchFamily="34" charset="-127"/>
+              </a:rPr>
+              <a:t>-</a:t>
+            </a:r>
+            <a:r>
+              <a:rPr lang="ko-KR" altLang="en-US" sz="4000" dirty="0" err="1">
+                <a:solidFill>
+                  <a:schemeClr val="bg1"/>
+                </a:solidFill>
+                <a:latin typeface="에스코어 드림 6 Bold" panose="020B0703030302020204" pitchFamily="34" charset="-127"/>
+                <a:ea typeface="에스코어 드림 6 Bold" panose="020B0703030302020204" pitchFamily="34" charset="-127"/>
+              </a:rPr>
+              <a:t>브랜치</a:t>
+            </a:r>
+            <a:r>
+              <a:rPr lang="ko-KR" altLang="en-US" sz="4000" dirty="0">
+                <a:solidFill>
+                  <a:schemeClr val="bg1"/>
+                </a:solidFill>
+                <a:latin typeface="에스코어 드림 6 Bold" panose="020B0703030302020204" pitchFamily="34" charset="-127"/>
+                <a:ea typeface="에스코어 드림 6 Bold" panose="020B0703030302020204" pitchFamily="34" charset="-127"/>
+              </a:rPr>
+              <a:t> </a:t>
+            </a:r>
+            <a:r>
+              <a:rPr lang="en-US" altLang="ko-KR" sz="4000" dirty="0">
+                <a:solidFill>
+                  <a:schemeClr val="bg1"/>
+                </a:solidFill>
+                <a:latin typeface="에스코어 드림 6 Bold" panose="020B0703030302020204" pitchFamily="34" charset="-127"/>
+                <a:ea typeface="에스코어 드림 6 Bold" panose="020B0703030302020204" pitchFamily="34" charset="-127"/>
+              </a:rPr>
+              <a:t>push </a:t>
+            </a:r>
+            <a:r>
+              <a:rPr lang="ko-KR" altLang="en-US" sz="4000" dirty="0">
+                <a:solidFill>
+                  <a:schemeClr val="bg1"/>
+                </a:solidFill>
+                <a:latin typeface="에스코어 드림 6 Bold" panose="020B0703030302020204" pitchFamily="34" charset="-127"/>
+                <a:ea typeface="에스코어 드림 6 Bold" panose="020B0703030302020204" pitchFamily="34" charset="-127"/>
+              </a:rPr>
+              <a:t>막기</a:t>
+            </a:r>
+          </a:p>
+        </p:txBody>
+      </p:sp>
+    </p:spTree>
+    <p:extLst>
+      <p:ext uri="{BB962C8B-B14F-4D97-AF65-F5344CB8AC3E}">
+        <p14:creationId xmlns:p14="http://schemas.microsoft.com/office/powerpoint/2010/main" val="4080887150"/>
+      </p:ext>
+    </p:extLst>
+  </p:cSld>
+  <p:clrMapOvr>
+    <a:masterClrMapping/>
+  </p:clrMapOvr>
+</p:sld>
+</file>
+
 <file path=ppt/theme/theme1.xml><?xml version="1.0" encoding="utf-8"?>
 <a:theme xmlns:a="http://schemas.openxmlformats.org/drawingml/2006/main" name="Office 테마">
   <a:themeElements>
